--- a/IT002-OOP/Slide lý thuyết/Poly.pptx
+++ b/IT002-OOP/Slide lý thuyết/Poly.pptx
@@ -126,6 +126,186 @@
 </p:presentation>
 </file>
 
+<file path=ppt/ink/ink1.xml><?xml version="1.0" encoding="utf-8"?>
+<inkml:ink xmlns:inkml="http://www.w3.org/2003/InkML">
+  <inkml:definitions>
+    <inkml:context xml:id="ctx0">
+      <inkml:inkSource xml:id="inkSrc0">
+        <inkml:traceFormat>
+          <inkml:channel name="X" type="integer" min="-2.14748E9" max="2.14748E9" units="cm"/>
+          <inkml:channel name="Y" type="integer" min="-2.14748E9" max="2.14748E9" units="cm"/>
+          <inkml:channel name="F" type="integer" max="32767" units="dev"/>
+        </inkml:traceFormat>
+        <inkml:channelProperties>
+          <inkml:channelProperty channel="X" name="resolution" value="1000" units="1/cm"/>
+          <inkml:channelProperty channel="Y" name="resolution" value="1000" units="1/cm"/>
+          <inkml:channelProperty channel="F" name="resolution" value="0" units="1/dev"/>
+        </inkml:channelProperties>
+      </inkml:inkSource>
+      <inkml:timestamp xml:id="ts0" timeString="2025-10-21T00:43:01.999"/>
+    </inkml:context>
+    <inkml:brush xml:id="br0">
+      <inkml:brushProperty name="width" value="0.05292" units="cm"/>
+      <inkml:brushProperty name="height" value="0.05292" units="cm"/>
+      <inkml:brushProperty name="color" value="#FF0000"/>
+    </inkml:brush>
+  </inkml:definitions>
+  <inkml:trace contextRef="#ctx0" brushRef="#br0">18627 8388 24575,'45'0'0,"1"0"0,1 0 0,0 0 0,0 0 0,0 0 0,4 0 0,1 0 0,-5 1 0,0-2 0,-1-11 0,2 0 0,9 10 0,1-2 0,-4-14 0,0 1 0,0 14 0,1 3 0,9-6 0,-1 0 0,-20 6 0,-1 0 0,9 0 0,1 0 0,0 0 0,-1 0 0,-9 0 0,1 0 0,9 0 0,-1 0 0,-11 0 0,-1 0 0,1 0 0,0 0 0,-1 0 0,1 0 0,-1 0 0,1 0 0,5 0 0,1 0 0,1 0 0,1 0 0,-2 0 0,2 0 0,8 0 0,2 0 0,2 0 0,1 0 0,5 0 0,3 0 0,-18 0 0,1 0 0,1 0-159,0 0 1,-1 0 0,2 0 158,-1 0 0,1-1 0,0 2 0,3 3 0,0 0 0,0 0 0,0-3 0,1 0 0,-3 0 0,14 4 0,0 2 0,-7 0 0,3 2 0,-3-2 0,8-4 0,1 0 0,-8 5 0,3 1 0,-1-2 0,-7-6 0,-1-2 0,1 1 0,4 3 0,0 2 0,-1-2 0,-2-2 0,-2-2 0,1 4 0,-1 8 0,-1 3 0,1-3 0,4-9 0,0-3 0,0 5 0,-6 10 0,-1 5 0,1-4 0,9-8 0,2-2 0,-2 0 0,-9 3 0,-1 1 0,-1 1 0,1 1 0,-1 2 0,-1-2 0,15-2 0,-2 0 0,1 4 0,-3 0 0,-14-6 0,-1-2 0,4-4 0,-1-2 0,-11 1 0,0 0 0,5 0 0,1 0 0,-5 0 0,0 0 237,6 0 1,-3 0-238,12 0 0,-13 0 0,-1 0 0,17 0 0,9 0 0,-19-6 0,-1 0 0,13 3 0,-10-14 0,1-1 0,-10 16 0,-4-2 0,6-31 0,15 32 0,-53-9 0,17 12 0</inkml:trace>
+  <inkml:trace contextRef="#ctx0" brushRef="#br0" timeOffset="2585">18891 12356 24575,'38'0'0,"3"0"0,7 0 0,0 0 0,6-1 0,2 2-878,-2 3 0,3 2 0,2 1 0,1 0 878,8 0 0,2 0 0,1 1 0,-1-1 0,-3 1 0,1-1 0,-2 1 0,1-1 0,-4-1 0,1 1 0,-2-1 0,-2-2 42,9-2 1,-3-3-1,-1 0-42,-3 1 0,0 0 0,-3 0 275,15 0 1,-1 0-276,-1 0 0,0 0 0,-12 0 0,0 0 0,6 2 0,-2-4 0,-15-8 0,-1-3 0,3-2 0,0 0 870,-4 0 0,-2 1-870,-4 1 0,0 2 410,4 4 0,1 3-410,-6 2 0,-1 1 274,29-11-274,-30 11 0,0 2 0,30-1 0,-29 0 0,1 0 0,-1 0 0,2 0 0,10 0 0,1 0 0,-4-1 0,1 2 0,15 3 0,1 4 0,-5 5 0,1 0 0,5-5 0,0 2 0,-6 14 0,0-1 0,5-19 0,0-2 0,1 16 0,0-1 0,1-14 0,1-3 0,5 6 0,-2 0 0,-15-7 0,-3 2 0,0 10 0,-3 1 0,-10-9 0,-1 0 0,1 9 0,0 0 0,0-11 0,-1-2 0,29 1 0,-30 5 0,0 1 0,18-3 0,-17 3 0,-2 0 0,8-6 0,-4 11 0,3 2 0,15-8 0,-14 8 0,1-2 0,10-11 0,5 0 0,-31 0 0,20 0 0,-33 0-1696,30 0 0,-41 0 0,18 0 0</inkml:trace>
+  <inkml:trace contextRef="#ctx0" brushRef="#br0" timeOffset="5121">18812 16563 24575,'38'0'0,"27"0"0,-20-11 0,4-1 0,9 8 0,4 2 0,-8-6 0,4-1 0,-2 2-321,-5 6 1,-1 2-1,2-1 321,8-3 0,1-2 0,0 2 0,-3 1 0,-2 2 0,1-1 0,-3-3 0,-1-1 0,1 2 0,3 2 0,1 1 0,-2 1 111,19 0 1,-3-2-112,-6-11 0,0 0 0,-1 10 0,-1-2 0,-3-8 0,-1 1 0,6 9 0,0 4 0,-11-2 0,-1 0 0,-2 0 0,-1 0 0,-11 0 0,-1 0 0,1 0 0,0 0 362,-1 0 1,1 0-363,11 0 0,1 0 7,-10 0 0,1 0-7,19 0 0,3 0 0,-10-1 0,-2 2 0,2 10 0,-1 1 0,4-3 0,-1 0 0,-4 3 0,0 3 0,-5 3 0,1-1 0,13-8 0,2-1 0,-9 6 0,-1-1 0,5-5 0,2-4 0,-10-3 0,1-2 0,-2 1 0,8 0 0,-1 0 0,-7 0 0,2 0 0,-1 0 0,15 0 0,0 0 0,1 0 0,1 0 0,-17 0 0,2 0 0,-1 0-159,1 0 1,0 0 0,0 0 158,0 0 0,1 0 0,1 0 0,2 0 0,0 0 0,-1 0 0,18 0 0,-1 0 0,0 0 0,-2 0 0,-9 0 0,-3 0 0,-6 0 0,-1 0-1326,8 0 1,-5 0 0,-5 0 0,9 0-1</inkml:trace>
+  <inkml:trace contextRef="#ctx0" brushRef="#br0" timeOffset="40158">2249 5689 24575,'-46'19'0,"1"0"0,2 6 0,4 3 0,4 0 0,2 0 0,-5-2 0,2 1 0,-8 23 0,-20-21 0,34-2 0,7 8 0,23-6 0,-12 12 0,9 9 0,-9 3 0,12-9 0,0 18 0,0-21 0,0 0 0,0 21 0,0-18 0,0-6 0,0 1 0,0 28 0,0 1 0,5-30 0,2 0 0,6 8 0,0 0 0,-4-4 0,0 1 0,15 13 0,-1 2 0,-14 7 0,0 0 0,15-8 0,2 0 0,-15-7 0,-4 3 0,4-3 0,15 12 0,-2-3 0,-14 1 0,-2 0 0,10 0 0,-1-2 0,-14-10 0,-3-2 0,6 1 0,0-3 0,-6 12 0,0 6 0,0-21 0,0 0 0,0-14 0,0-16 0,-12 13 0,-14-18 0,-4 17 0,-20-23 0,-3 0 0,-3 0 0,3-23 0,3 17 0,21-18 0,-21 24 0,32 0 0,-17-11 0,32 8 0,-8-9 0,11 12 0,11 0 0,-8 0 0,32 0 0,7 0 0,2-24 0,17 18 0,-19-17 0,-1 23 0,9 23 0,-33-17 0,19 30 0,-33 2 0,8 18 0,-9-7 0,-4 5 0,2 0 0,0 0 0,0 0 0,0 1 0,0 9 0,0-1 0,0-21 0,0 1 0,0 20 0,0 0 0,0-19 0,0-3 0,0 0 0,0-2 0,0 34 0,0-29 0,0 21 0,0-24 0,0 9 0,0-32 0,0 17 0,0-8 0,0-10 0,0 19 0,0-10 0,0-8 0,0 17 0,24-9 0,-18 16 0,17-1 0,-23-15 0,12 9 0,-9-29 0,32 18 0,-29-24 0,18 12 0,-1-9 0,-17 8 0,29-11 0,-32 0 0,33 0 0,-31 0 0,19 0 0,-12 0 0,-9 0 0,32 0 0,-29 0 0,29 0 0,-32 0 0,9 0 0,11 0 0,-17 0 0,41 0 0,-41 0 0,18 0 0,-13 0 0,-8 0 0,9 0 0,-12 0 0,0 0 0,0 0 0</inkml:trace>
+  <inkml:trace contextRef="#ctx0" brushRef="#br0" timeOffset="50388">23416 6694 24575,'-24'-53'0,"6"15"0,-5 0 0,-9 3 0,-4-1 0,-2-15 0,-3-1 0,-9 9 0,-3 4 0,0 5 0,-3 1 0,-3-7 0,-2 6 0,-4 23 0,0 1 0,5-20 0,0 2 0,5 23 0,1 4 0,2-11 0,1 0 0,11 11 0,1 2 0,-29-1 0,15 0 0,-8 0 0,16 0 0,8 0 0,-2 0 0,-29 0 0,30 12 0,-3 0 0,-10-10 0,-1 2 0,10 13 0,-1 1 0,-19-16 0,-3-1 0,11 16 0,0 1 0,-6-8 0,-1-2 0,1 4 0,3 2 0,9 5 0,2-2 0,-1-15 0,2 1 0,6 14 0,-1 2 0,-11-5 0,-1-2 0,9-4 0,1 2 0,-10 14 0,1-1 0,-17-17 0,30 10 0,0 3 0,-30 7 0,29-17 0,-1 0 0,0 10 0,1-3 0,-1-13 0,0-3 0,-27 12 0,27 0 0,3 0 0,-7-7 0,2 7 0,-1 0 0,-16 0 0,13-11 0,1 1 0,-11 9 0,12 2 0,3-2 0,5-5 0,-6 6 0,-1-1 0,-1-11 0,6 0 0,0 0 0,-18 0 0,3 24 0,3-18 0,21 17 0,-21-23 0,-3 0 0,-3 12 0,3-9 0,3 9 0,20-12 0,4 0 0,-9 23 0,17-17 0,-32 29 0,32-32 0,-29 9 0,30 12 0,-33-7 0,20 10 0,-20 8 0,33-29 0,-18 41 0,8-41 0,-14 29 0,0-32 0,-9 32 0,20-17 0,4 8 0,-9 10 0,29-19 0,-30 10 0,34 8 0,-10-29 0,-12 41 0,18-41 0,-17 17 0,23-11 0,0-9 0,0 32 0,0-29 0,0 30 0,0-34 0,23 10 0,-5 12 0,8-7 0,10 45 0,-19-18 0,7-11 0,2-1 0,4 9 0,20-15 0,-9 10 0,0-19 0,9 10 0,3 8 0,-9-29 0,-2 5 0,1 2 0,16-2 0,9-8 0,5 9 0,-29 12 0,21-19 0,0 19 0,-21-24 0,18 0 0,-33 0 0,44 0 0,-37 0 0,5 0 0,3 0 0,12 0 0,11 0 0,-28-11 0,-1-2 0,29 8 0,-28-7 0,2 0 0,5 5 0,-1 2 0,14 2 0,-16-1 0,-1-3 0,14-17 0,11 18 0,-28-6 0,-1 1 0,30 11 0,-1-12 0,-29 10 0,1 1 0,28-11 0,1 12 0,-30 0 0,0 0 0,30 0 0,-12 0 0,-12 0 0,-3 0 0,-6 0 0,39 0 0,-45 0 0,33 0 0,-18 0 0,21 0 0,-24 0 0,9 0 0,-21 0 0,21 0 0,-20 0 0,20 0 0,-9 0 0,0 0 0,-15 0 0,10 0 0,-19 0 0,33 0 0,-32 0 0,17 12 0,-8-9 0,14 9 0,0-12 0,21 0 0,-18 0 0,9 0 0,-3 0 0,-9 23 0,0-17 0,9 18 0,-21-24 0,21 0 0,-20 0 0,31 0 0,-16 0 0,19 0 0,1 0 0,3 0 0,-13 0 0,-11 0 0,-2 0 0,-7 0 0,7 0 0,1 0 0,1 0 0,9 0 0,-3 0 0,-9 0 0,0 0 0,9 0 0,-32 0 0,17 0 0,-8 0 0,2 0 0,21 0 0,-9 0 0,-11 0 0,29 0 0,-39 0 0,42 0 0,-9 0 0,3 0 0,-18 0 0,0 0 0,6 0 0,-6 0 0,-2 0 0,-30 0 0,29 0 0,-32 0 0,9-24 0,-12 18 0,0-17 0,0 23 0,23 0 0,-17-12 0,17 9 0,-23-9 0,0 12 0,0 0 0,24-23 0,-18 17 0,17-18 0,-23 24 0,0-12 0,0 10 0,0-34 0,12 30 0,-9-41 0,9 41 0,-12-17 0,0 11 0,0 9 0,0-32 0,0 29 0,0-29 0,0 32 0,0-9 0,0-11 0,0 17 0,0-30 0,0 34 0,0-10 0,0-12 0,0 18 0,0-29 0,0 32 0,-12-9 0,9-11 0,-9 17 0,12-41 0,-23 41 0,17-29 0,-41 32 0,29-32 0,-8 29 0,-9-18 0,29 12 0,-30 9 0,33-8 0,-8-13 0,11 18 0,-24-29 0,18 32 0,-17-9 0,23-11 0,0 17 0,0-18 0,0 24 0,0-23 0,0 17 0,0-17 0,0 11 0,0 9 0,0-9 0,0-11 0,0 17 0,0-18 0,0 12 0,0 9 0,0-8 0,0-13 0,0 18 0,0-17 0,0 11 0,0 9 0,0-9 0,0 12 0,0 0 0</inkml:trace>
+</inkml:ink>
+</file>
+
+<file path=ppt/ink/ink2.xml><?xml version="1.0" encoding="utf-8"?>
+<inkml:ink xmlns:inkml="http://www.w3.org/2003/InkML">
+  <inkml:definitions>
+    <inkml:context xml:id="ctx0">
+      <inkml:inkSource xml:id="inkSrc0">
+        <inkml:traceFormat>
+          <inkml:channel name="X" type="integer" min="-2.14748E9" max="2.14748E9" units="cm"/>
+          <inkml:channel name="Y" type="integer" min="-2.14748E9" max="2.14748E9" units="cm"/>
+          <inkml:channel name="F" type="integer" max="32767" units="dev"/>
+        </inkml:traceFormat>
+        <inkml:channelProperties>
+          <inkml:channelProperty channel="X" name="resolution" value="1000" units="1/cm"/>
+          <inkml:channelProperty channel="Y" name="resolution" value="1000" units="1/cm"/>
+          <inkml:channelProperty channel="F" name="resolution" value="0" units="1/dev"/>
+        </inkml:channelProperties>
+      </inkml:inkSource>
+      <inkml:timestamp xml:id="ts0" timeString="2025-10-21T00:49:47.874"/>
+    </inkml:context>
+    <inkml:brush xml:id="br0">
+      <inkml:brushProperty name="width" value="0.05292" units="cm"/>
+      <inkml:brushProperty name="height" value="0.05292" units="cm"/>
+      <inkml:brushProperty name="color" value="#FF0000"/>
+    </inkml:brush>
+  </inkml:definitions>
+  <inkml:trace contextRef="#ctx0" brushRef="#br0">13335 5821 24575,'-53'-23'0,"15"10"0,0-4 0,3-14 0,-1-2 0,-20 10 0,-3 1 0,6-13 0,-2-3 0,8 14 0,-2 2 0,1 0 0,-20-6 0,0-2 0,17 2 0,-1-2 0,0 2 0,2 9 0,1 2 0,1-3 0,-2-5 0,1-2 0,1 0 0,-1 4 0,1 1 0,1-1 0,1-2 0,2-1 0,1 1 0,-11-4 0,-1 2 0,-2 0 0,0 1 0,4 0 0,0 2 0,5 8 0,-1 3 0,-15 0 0,2-1 0,19-4 0,0 1 0,-20 13 0,0 2 0,20-9 0,1-1 0,-9-1 0,-1 2 0,0 9 0,1-2 0,4-12 0,-3-3 0,1 9 0,-3 1 0,0 2 0,-17-2 0,0 0-273,13-2 1,-1-2-1,-1 2 273,-2 1 0,-2 2 0,2-1 0,5 0 0,1 0 0,-2-2 0,-8-5 0,-2-1 0,2 0 0,10 2 0,0 1 0,1 2 0,-4 1 0,0 2 0,0-1 0,4-1 0,0-2 0,0 2-94,-20-3 0,-1 2 94,2 3 0,0 0 0,5-10 0,2 3 0,10 15 0,1-1 0,2-16 0,1 0 0,11 16 0,1-1 0,-1-15 0,1 0 405,-1 16 0,0 1-405,-27-10 98,28-2 0,1 2-98,-29 5 0,33-17 0,0-1 0,-3 14 0,-2 3 0,-5-7 0,-4 1 0,-15 5 0,-6 4 0,13 3 0,-2 2 0,-1-1-362,1 0 1,0 0 0,-3 0 361,5 0 0,-3 0 0,1 0 0,2 0 0,-2 0 0,3 0 0,-3 0 0,3 0 0,-3-1 0,-1 1 0,2 1 0,-7 3 0,3 0 0,-2 0 0,-7-3 0,-1 0 0,0 0 0,1 3 0,-1 0 0,1 0 0,3-3 0,0-2 0,1 1 0,0-1 0,1 0 0,-1 3 0,-4 4 0,0 4 0,1-3 0,9-5 0,1-2 0,-1 4 0,-9 10 0,-1 5 0,3-5 0,12-10 0,2-4 0,-1 2-116,-3 5 0,0 2 0,1-1 116,-19-3 0,3 1 0,11 7 0,1 1 0,-4-5 0,2-1 0,13 5 0,1-2 0,-16-9 0,-2-4 0,7 2 0,-2 0 0,-10 0 0,-2 0 0,0 0 0,-1 0 0,0-1 0,1 2 0,0 5 0,2 0 0,4-5 0,2 1 532,3 2 1,3 3-533,5 6 0,2-2 183,6-9 1,1 2-184,-1 14 0,1-1 0,4-15 0,0-1 0,-5 15 0,1 3 0,4-4 0,2 0 0,-1-1 0,1 1 0,-1 3 0,0-1 0,1-3 0,-1-1 0,-7 0 0,3 3 0,14 9 0,1 0 0,-14-10 0,1 0 0,-14 35 0,12-29 0,-3-1 0,6 0 0,0 1 0,-6 4 0,2 0 0,-10 4 0,23-4 0,2 0 0,-11 5 0,-1 20 0,-8-9 0,21 0 0,3 9 0,14-21 0,-12 21 0,18-20 0,-17 20 0,23-21 0,0 45 0,0-39 0,0 6 0,0 3 0,0 12 0,0-12 0,0 3 0,0-6 0,0 0 0,0 5 0,0 0 0,0-7 0,0 1 0,0 12 0,0-1 0,0 11 0,11-13 0,1-1 0,-6-4 0,30 20 0,-33-23 0,32 21 0,-18-41 0,10 38 0,-15-42 0,11 10 0,-17-16 0,18 13 0,-24-18 0,23 41 0,-17-29 0,29 32 0,-32-21 0,33 33 0,-19 5 0,-4-26 0,1 1 0,4 3 0,-1 1 0,-8-6 0,0-1 0,17 29 0,-7-29 0,-3-2 0,-10 7 0,18-7 0,-1 0 0,-17 7 0,18 9 0,-13 20 0,-8-37 0,9 37 0,-12-55 0,0 17 0,0-9 0,0 4 0,0-4 0,0 10 0,0-31 0,0 42 0,0-29 0,0 9 0,0 8 0,0-29 0,0 17 0,0-23 0,0 12 0,0-9 0,0 9 0,0 11 0,0-17 0,-12 18 0,9-13 0,-8-8 0,11 33 0,0-31 0,0 42 0,0-41 0,0 30 0,-24-33 0,18 32 0,-17-29 0,23 17 0,0-23 0,0 12 0,0-9 0,0 9 0</inkml:trace>
+</inkml:ink>
+</file>
+
+<file path=ppt/ink/ink3.xml><?xml version="1.0" encoding="utf-8"?>
+<inkml:ink xmlns:inkml="http://www.w3.org/2003/InkML">
+  <inkml:definitions>
+    <inkml:context xml:id="ctx0">
+      <inkml:inkSource xml:id="inkSrc0">
+        <inkml:traceFormat>
+          <inkml:channel name="X" type="integer" min="-2.14748E9" max="2.14748E9" units="cm"/>
+          <inkml:channel name="Y" type="integer" min="-2.14748E9" max="2.14748E9" units="cm"/>
+          <inkml:channel name="F" type="integer" max="32767" units="dev"/>
+        </inkml:traceFormat>
+        <inkml:channelProperties>
+          <inkml:channelProperty channel="X" name="resolution" value="1000" units="1/cm"/>
+          <inkml:channelProperty channel="Y" name="resolution" value="1000" units="1/cm"/>
+          <inkml:channelProperty channel="F" name="resolution" value="0" units="1/dev"/>
+        </inkml:channelProperties>
+      </inkml:inkSource>
+      <inkml:timestamp xml:id="ts0" timeString="2025-10-21T00:52:21.470"/>
+    </inkml:context>
+    <inkml:brush xml:id="br0">
+      <inkml:brushProperty name="width" value="0.05292" units="cm"/>
+      <inkml:brushProperty name="height" value="0.05292" units="cm"/>
+      <inkml:brushProperty name="color" value="#FF0000"/>
+    </inkml:brush>
+  </inkml:definitions>
+  <inkml:trace contextRef="#ctx0" brushRef="#br0">19870 4657 24575,'-50'-24'0,"-6"7"0,7 4 0,-5-1 0,1-3 0,-2-1 0,-11 3 0,-1 1 0,8-1 0,-2 0 0,10 4 0,-1-1 0,2 0 0,-7-2 0,-1 2 0,8 6 0,-2 1 0,1-2 0,-9-10 0,0-1 0,-11 4 0,-2 1 0,6-2 0,-1 1 0,16 5 0,0 1 0,0-2 0,2-1 0,2-1 0,-1 0 0,-24-2 0,-1-1 0,22 1 0,0 0 0,0 1 0,-22-1 0,1 1 0,24 1 0,0 0 0,0 1-288,-2 5 0,-1 2 0,-1-4 288,-3-10 0,0-5 0,-2 2 0,-4 6 0,-1 1 0,0-1-387,-7-5 1,-1-2-1,0 0 387,16 5 0,-1 0 0,0 1 0,0 1 0,-3 3 0,-1 2 0,0 0 0,0-2 0,3-5 0,1-3 0,-1 0 0,-2 3 0,-7 4 0,-3 4 0,0-1 0,3-2 0,7-2 0,2-3 0,0 0 0,-3 1-477,-9-2 0,-3 2 0,0 0 1,0 1 476,5 3 0,0 2 0,0 0 0,1-2 0,-1-3 0,1-2 0,-1 1 0,-1 2 0,-3 4 0,-1 3 0,1 1 0,0 0 0,6-1 0,1 1 0,1-1 0,-1 0-274,1-2 0,-1-1 0,1 1 1,0 2 273,-12 5 0,0 2 0,2-4 0,2-10 0,2-5 0,0 5 0,6 10 0,0 4 0,1-2 6,0-5 1,0-3 0,1 4-7,3 4 0,1 3 0,1 0 0,-17-1 0,-1 0 0,22 0 0,-1 0 0,3 0 575,-7 0 1,2 0-576,-15-6 0,2 0 958,24 5 0,2-1-958,-3-4 0,-1 0 657,7 6 0,2 0-657,-31 0 312,29-10 1,-1-3-313,-1 5 0,3-2 0,4-15 0,0 0 0,-13 13 0,-6 6 0,-15 4 0,-8 4-684,24 1 0,-3 0 1,-3 2-1,-3 2 684,-4 2 0,-4 3 0,-2 1 0,-3 1 0,0 0-625,12-4 1,0 1-1,-2 0 1,-1 0-1,-1 1 1,-1 0-1,0 0 625,2 0 0,0 1 0,-2 0 0,0 1 0,-1 0 0,0 0 0,1 0 0,-1 1 0,-1 1 0,-1 0 0,0 0 0,0 1 0,0 0 0,0 0 0,0 0 0,0-1 0,2 0 0,0-1 0,0-1 0,0 1 0,0 0 0,1 0 0,0 0 0,1 1 0,-6 2 0,0 0 0,2 2 0,-1-1 0,2 0 0,0-1 0,1-1-339,-6 0 1,2-1 0,0 0 0,1-1 0,1 1 0,2 1 338,-4 3 0,2 1 0,2 0 0,0 0 0,2-1-282,-7 0 0,1-1 0,1 1 0,2 0 282,5 3 0,2 1 0,0-1 0,0-1 0,5-6 0,-1-3 0,1 1 0,0 1 212,-2 6 0,-1 2 0,2-1 0,0-2-212,-10-4 0,2-4 0,0 4 0,-4 7 0,0 5 0,1-3 0,6-5 0,0-1 0,1-2 1043,0-2 0,0-2 1,1 0-1044,3-1 0,1 0 0,1-1 0,3-1 0,-1-2 0,3 1 1269,-19 5 1,4 1-1270,16-1 0,6-1 1847,-6-2-1847,15-11 0,-5 14 0,-8 8 0,-4 4 0,-7 5 0,-4 3-445,10-5 0,-4 2 0,-2 1 1,-2 3-1,0 0 445,5-2 0,-2 1 0,0 2 0,-1 0 0,0 1 0,-1 1-410,6-2 0,-1 0 0,0 2 1,-1 0-1,1 0 0,0 0 1,0 0 409,2-2 0,-1 0 0,0 0 0,0 0 0,1 1 0,1 0 0,2 1 0,-4 5 0,1 1 0,2 0 0,0 1 0,1 0 0,0-2-326,-6 5 0,-1 0 1,1-1-1,3 0 0,2 1 326,-3 8 0,4 1 0,1 0 0,2-3-141,5-9 1,2 0 0,0-2-1,3 0 141,-5 10 0,4-1 0,1-1 787,4-7 0,2 0 1,3-3-788,0 8 0,1-1 1736,-5 4 0,2-1-1736,8-5 0,3-1 1176,4-3 0,0-1-1176,-4-7 0,3-1 970,13 29-970,-9-44 27,-11 5-27,17-23 0,-29 12 0,-4 50 0,9-18 0,-6 9 0,0 5-847,7-6 1,1 3 0,-2 5-1,-1 1 1,-1 2 846,1-6 0,-3 1 0,0 2 0,-2 1 0,1 2 0,1 0 0,2 2-502,4-3 0,2 2 0,0 1 0,1 1 0,0 1 0,0-1 0,-1 0 0,-1-2 502,-2-2 0,0 0 0,-2 0 0,1-1 0,-1-1 0,2 1 0,1-1 0,2 0 0,2 3 0,1 1 0,1 0 0,2-2 0,0 0 0,0-2 0,0-3-191,-5 8 1,1-2-1,1-2 1,-1-3 0,2-2 190,-2 1 0,0-3 0,2-3 0,4-1 0,2 26 0,-1-8 0,-14-20 0,4-5 2938,21 10-2938,-18-3 4668,24-33-4668,0 42 0,0-10 0,0 5 0,0 8 0,0 5-52,0 1 0,0 6 0,0 2 52,0-15 0,0 0 0,0 2 0,0 2-506,0-6 0,0 2 0,0 1 1,0 1-1,0 1 506,0 4 0,0 1 0,0 1 0,0 0 0,0-1 0,0-1 0,0-1 0,0 0 0,0-1 0,0-1-345,0 9 1,0 0-1,0-2 1,0-1 344,0-7 0,0 0 0,0-2 0,0-2-149,0 8 1,0-1 0,0-2 148,0-7 0,0-1 0,0-2 0,0 19 0,0-4 671,0-9 1,0-1-672,0 5 0,0-1 1227,-1-15 0,2-1-1227,11 5 0,0-3 1690,-6 17-1690,6-28 0,-1-1 615,-11 30-615,0-30 0,0 3 0,0 10 0,0 1 0,0-10 0,0 1 0,-2 20 0,4 0 0,10-20 0,0 0 0,-9 20 0,0 0 0,9-20 0,-1-1 0,-10 15 0,-2 1 0,5-5 0,4 0 0,5 6 0,0 2 0,-5 6 0,2-1 0,7-11 0,1-2 0,-4 5 0,-1-1 0,1-8 0,1-4 0,-2-9 0,0-1 0,7 7 0,-4 1 0,-13-3 0,0-1 0,13 3 0,3 2 0,-6 19 0,0 0 0,6-20 0,4-1 0,9 22 0,0-1 0,-10-20 0,0-1 0,10 10 0,-2-1 0,-16-10 0,1-3 0,20-3 0,4-2 0,-10 5 0,1 0 0,14-4 0,3 0 0,4 16 0,1 3 0,-5-10 0,3-1-280,-2-4 0,5 1 0,-1-1 280,-7-6 0,1-1 0,1 0 0,8 1 0,3-1 0,-1 0 0,-4 1 0,-1-1 0,2-3 0,5-7 0,2-5 0,1 3 0,-10 2 0,1 2 0,1 0 0,-1-5 0,14-4 0,1-5 0,3 3-438,-6 6 1,2 2-1,2 1 1,-3-6 437,-7-8 0,-2-3 0,0-2 0,3 3 0,10 3 0,3 2 0,1 0 0,-3-3 0,-9-5 0,-2-1 0,1-2 0,0 2 0,3 1 0,2 2 0,-1-1 0,-2 0-305,11-3 0,-3 0 1,-1 0 304,-3 0 0,-1 0 0,1 0 0,2-4 0,1-1 0,-3 2 0,-12 2 0,-1 2 0,1-4 0,10-8 0,1-3 0,-3 4-61,7 6 0,-1 2 61,-17-5 0,0-2 0,-4 1 360,-3 1 0,-4 2-360,-2 6 0,-2-5 1719,13-31-1719,5 40 0,14 8 0,-6-13 0,9-3 0,7-1 0,3 5-735,-17 4 1,3 2 0,3 2 0,2 1 0,2 0 0,3 1 0,1-1 734,-16-3 0,1 0 0,3 0 0,0 0 0,2 0 0,0 1 0,2-1 0,0 0 0,0 1 0,1-1 0,0 0-385,-1 0 0,2 0 0,1 0 0,0 0 0,0 0 0,2 0 0,-1 0 0,0 0 0,1 0 0,-1 0 0,0 1 0,0-1 385,-6 1 0,1 0 0,-1 0 0,0 1 0,0-1 0,1 1 0,-1 0 0,0-1 0,1 0 0,-1 0 0,0-1 0,0 0 0,0-1-264,5 0 1,0-1 0,0-1 0,0 0 0,0 0 0,0-1 0,0 0 0,0 0-1,-2 0 1,1 0 0,-2 0 0,0 0 263,6 1 0,-1 0 0,0 0 0,0 1 0,-2-1 0,0-1 0,0 1 0,-2-1 0,1 0 0,-1-1-186,1-1 1,0 0 0,-1-1 0,0 0 0,-1-1 0,-1 1-1,0-1 1,-1 1 0,-1 0 185,0 0 0,1 0 0,-2 0 0,0 0 0,-1 0 0,-2 0 0,-1 0 0,-1 0 199,6 0 0,-2 0 1,-1 0-1,-2 0 0,-1 0 1,-1 0-200,18 0 0,-1 0 0,-4 0 0,-5 0 943,-6 0 1,-5 0 0,-3 0-944,20 0 0,-12 0 4327,-19 0-4327,-8-12 4625,-36 9-4625,70-9 0,-12 10 0,12 3 0,8 0-466,-19-1 1,5 0 0,4 0 0,3 0 0,3 0 0,2 0 465,-11 0 0,3 0 0,2 0 0,3 0 0,0 0 0,2 0 0,0 0 0,0 0 0,0 0-439,-8 0 0,0 0 0,1 1 0,0-1 0,1 0 0,0 1 0,0-1 0,1 0 1,0-1-1,-1 1 0,1-1 439,2 0 0,0-1 0,1 0 0,0 0 0,0 0 0,0-1 0,0 1 0,0-1 0,-1 1 0,0 0 0,-1 0 0,2 0 0,0 1 0,1 0 0,-2 0 0,1 1 0,-2-1 0,0-1 0,-1 0 0,-1-2 0,-1 0-236,6-3 0,-1-1 1,-1-2-1,-1-1 1,-2 1-1,0 0 0,-2 0 1,-1 2 235,11 2 0,-2 1 0,-2 2 0,-1-2 0,-3-1 0,-2-4-116,-3-4 1,-1-3 0,-3-2 0,-3 1 0,-2 1 115,17-2 0,-5 2 0,-6-3 1370,10-14 1,-9 0-1371,-20 15 0,-8-3 5126,-7-25-5126,8 30 0,-16-35 0,3-17 0,5 23 0,8-2 0,3-3 0,0-4-159,-5 5 1,1-4-1,1-2 1,2-2-1,0-1 1,2 1 158,-1 2 0,1-1 0,1-1 0,1 0 0,1 0 0,0 0 0,1 0 0,1 0 0,1 0 0,1 0 0,1 1 0,-1 0 0,-1 0 0,-1 2-213,3-2 1,-2 0 0,1 1 0,-2 2 0,0 0 0,-2 0 212,3-2 0,-1 0 0,-1 2 0,-2 0 0,-2 1-245,0-5 1,-2 1 0,-3 2-1,0 1 245,3-2 0,-3 2 0,-2 0-9,-7-2 1,-3-1-1,-2 5 9,2 3 0,-3 1 1904,2-14 0,-6-2-1904,-13 10 0,-1-1 0,2 1 0,2-3 0,-2 0 0,-2 6 0,-1 1 0,-1-1 0,1-6 0,0 0 0,0 0 0,0 2 0,0-1 0,0-1 564,0-7 0,0-2 1,0-1-565,0-1 0,0 0 0,0-1 0,1-3 0,-1 1 0,-1 2 471,-2 10 1,-2 1-1,2 5-471,1-11 0,1 7 20,-6 16 1,2 3-21,5-24 0,0 32 0,-10-4 0,-4-5 1277,-3-32-1277,-7 15 0,-2-5 0,4 1 0,3-1 0,4 0 0,0 2 0,-4 10 0,3 4 0,14 5 0,1 3 0,-11-4 0,-11-21 0,17 7 0,-12 10 0,0-2 0,17 0 0,0 0 0,-17 1 0,0-2 0,14-7 0,2-4 0,-9-11 0,-1-4-610,7 14 1,2-3 0,-1-3 609,-2 7 0,0-3 0,-1-2 0,0-1 0,0-6 0,0-2 0,0 0 0,-2-1 0,0 15 0,-1-2 0,0 1 0,-1 1 0,1 2 0,0-7 0,0 2 0,0 2 0,-1 2 0,-2-10 0,-1 2 0,0 8 0,0 8 0,2 6 0,0-20 0,12 37 0,0-8 0,12-30 0,1 22 0,5-6 0,0-3 0,4-9 0,1-3 0,3-2-26,1 6 1,3-4 0,1 1 0,-1 0 25,-5 5 0,-1 1 0,-1 0 0,2 0 0,1-3 0,0 0 0,0 1 0,-1 3-24,-1-2 0,-2 4 1,-1 1 23,-3 4 0,-1 2 0,1 2 0,8-9 0,-2 5 0,5-10 0,-14 21 0,-3 3 0,0 5 0,-12 4 1921,0-9-1921,0 17 79,23-32-79,-17-3 0,18-14 0,-23 28 0,-2-2 0,-1-9 0,4-3 0,9-5 0,1-4 0,-9 11 0,-2-3 0,1 0-149,5 0 1,3 1-1,-3-2 149,-6-2 0,-2 0 0,1 1 0,0-18 0,0 1 0,0 0 0,0 2 0,0 9 0,0 3 0,0 6 0,0 0 0,0-5 0,0 2 0,-1 12 0,2 2 0,-1-4 0,0 1 0,0-8 0,0 3 446,0 9-446,-24 0 0,18 15 0,-17-10 0,23 19 0,0-33 0,0 20 0,-24-20 0,18 9 0,-17 0 0,23-9 0,0 32 0,0-17 0,-12 9 0,9 8 0,-9-17 0,12 8 0,0-14 0,0 0 0,-23-21 0,5 6 0,-6 17 0,-2-1 0,-3-28 0,5 30 0,-2 0 0,-15-18 0,11 3 0,-5 27 0,32-9 0,-9 29 0,-11-18 0,17 24 0,-18-12 0,12 9 0,10-8 0,-34 11 0,30 0 0,-17 0 0,23-24 0,-12 18 0,9-17 0,-9 23 0,-11 0 0,17 0 0,-17-24 0,11 18 0,9-17 0,-9 23 0</inkml:trace>
+</inkml:ink>
+</file>
+
+<file path=ppt/ink/ink4.xml><?xml version="1.0" encoding="utf-8"?>
+<inkml:ink xmlns:inkml="http://www.w3.org/2003/InkML">
+  <inkml:definitions>
+    <inkml:context xml:id="ctx0">
+      <inkml:inkSource xml:id="inkSrc0">
+        <inkml:traceFormat>
+          <inkml:channel name="X" type="integer" min="-2.14748E9" max="2.14748E9" units="cm"/>
+          <inkml:channel name="Y" type="integer" min="-2.14748E9" max="2.14748E9" units="cm"/>
+          <inkml:channel name="F" type="integer" max="32767" units="dev"/>
+        </inkml:traceFormat>
+        <inkml:channelProperties>
+          <inkml:channelProperty channel="X" name="resolution" value="1000" units="1/cm"/>
+          <inkml:channelProperty channel="Y" name="resolution" value="1000" units="1/cm"/>
+          <inkml:channelProperty channel="F" name="resolution" value="0" units="1/dev"/>
+        </inkml:channelProperties>
+      </inkml:inkSource>
+      <inkml:timestamp xml:id="ts0" timeString="2025-10-21T00:58:48.451"/>
+    </inkml:context>
+    <inkml:brush xml:id="br0">
+      <inkml:brushProperty name="width" value="0.05292" units="cm"/>
+      <inkml:brushProperty name="height" value="0.05292" units="cm"/>
+      <inkml:brushProperty name="color" value="#00B050"/>
+    </inkml:brush>
+  </inkml:definitions>
+  <inkml:trace contextRef="#ctx0" brushRef="#br0">18759 12198 24575,'-41'0'0,"-15"-3"0,-9-6 0,13-7 0,-2-6 0,-4-2-1349,-4 2 1,-4-1 0,-4-1 0,0-4 1348,15 5 0,-1-3 0,-1 0 0,-1-2 0,0 0 0,1 0-389,-1 0 0,0 0 0,1-1 0,-2 0 0,1 0 0,-2-1 389,-4-2 0,-1-1 0,-1 0 0,0-1 0,-1 1 0,1 1 0,0 0 0,1 0 0,-1 1 0,0 0 0,-1 0 0,0 0 0,9 4 0,-1 0 0,1 0 0,-1 0 0,0 1 0,0 0 0,0 1 0,-8-4 0,1 2 0,-1 0 0,0 0 0,1 2 0,-1 1 0,1 2 0,0 1 0,0 1 0,0 0 0,1 1 0,0 0-84,-8-2 0,1-1 0,0 2 0,1 0 0,0 0 84,4 3 0,0 1 0,1 1 0,0 0 0,0-1 0,3 0 0,-1 0 0,1 0 0,1 0 0,0 1-303,-12-3 1,1 0 0,0 1 0,2 2 302,3 3 0,1 2 0,1 0 0,-1 1 0,1-1 0,1 0 0,0 1 0,0 3 0,1 3 0,2 3 0,-1 0 0,2 0 263,3-3 1,0 0-1,1-1 1,0 2-264,-18 1 0,0 1 0,2 1 0,6-1 0,1 0 0,2 0 806,5 0 0,1 0 0,1 0-806,3 0 0,1 0 0,2 0 1197,-11 0 1,3 0-1198,6 0 0,3 0 923,10 0 0,1 0-923,-29 0 1211,15 0-1211,27 0 432,-9 0-432,-7 0 0,-15 0 0,-12 0 0,19 0 0,-2 0 0,-11 0-687,5 0 1,-10 0 0,-7 0 0,-4 0 0,0 0-1,2 0 1,5 0 686,3 0 0,4 0 0,1 0 0,-1 0 0,-2 0 0,-6 0 0,11 0 0,-3 0 0,-4 0 0,-1 0 0,-2 0 0,0 0 0,0 0 0,2 0 0,2 0 0,3 0 0,-10 0 0,3 0 0,1 0 0,1 0 0,1 0 0,0 0 0,-2 0 0,-1 0 0,0 0 0,0 0 0,-1 0 0,1 0 0,0 0 0,0 0 0,0 0 0,0 0 0,0-1 0,0 1 0,1 0 0,1 0 0,2 1-428,-4 0 1,2 0 0,0 1 0,1 0 0,1 1 0,-1 0 427,3 0 0,-1 2 0,0-1 0,2 1 0,0 0 0,1-1-269,-4 0 0,1-1 1,1-1-1,1 2 0,2 1 269,-6 2 0,2 3 0,1-1 0,1 0-166,1-2 1,1-2 0,1 1-1,4 3 166,-4 3 0,4 3 0,1-1 1128,4-4 1,0-1 0,4 1-1129,-12 8 0,4-1 1416,3-5 0,2 3-1416,5 10 0,0 3 989,-5-7 1,1 2-990,4 7 0,0 2 575,-1-6 1,2 0-576,5 2 0,3 0 12,4-2 1,3 1-13,-10 23 0,-9 3 0,20 3 0,-20-3 0,-3-3 0,20-23 0,-1-1 0,0-5 0,0 2 0,-4 20 0,0-1 0,4-24 0,0-1 0,-5 21 0,-1-2 0,0-20 0,0-3 0,2 12 0,-3 0 0,-10-11 0,-1 2 0,10 14 0,-1 1 0,-20-9 0,0 1 0,19 9 0,2 0 0,-5-11 0,3-1 0,-9 30 0,3-32 0,33 6 0,-7-24 0,12-24 0,-26 42 0,-10-12 0,-7 5 0,14 14 0,0 9 0,-3-2-257,-11-3 1,-4-2 0,2 3 256,7 6 0,2 4 0,-1-2 0,1-6 0,-1-2 0,2 2 0,6 2 0,1 2 0,1 0 0,-5 2 0,0 2 0,2 0 0,9 0 0,1 1 0,0-2-95,-21 15 0,3 1 95,14 9 0,5-1 0,4-20 0,1-1 0,0 9 0,2 1 0,3-12 0,1-1 0,-2 0 0,3 1 380,3 11 1,5 1-381,5-9 0,0 0 99,-6 7 0,1 2-99,8 0 0,0-1 0,-9-3 0,1 1 0,9 10 0,4 0 0,-4-5 0,4-2 0,8-5 0,3 0 0,-7 11 0,6-1 0,22-15 0,5 1 0,-11 20 0,3 0 0,18-19 0,5-3 0,-19 1 0,-1 2 0,3-3 0,3-11 0,4-4 0,4 3 0,8 11 0,5 5 0,2 2 0,-2-5 0,-10-10 0,-1-3 0,1 0 0,3 1-420,0 0 0,3 2 0,2 0 0,-1-1 1,-4 0 419,1 2 0,-3 0 0,-1-1 0,3-4 0,1-5 0,1-3 0,1-1 0,-2 5 0,-1 5 0,-1 4 0,0 0 0,2-2 0,5-2 0,2-3 0,0 0 0,1 2 0,0 1 0,1 1 0,-1 0 0,0 1 0,-5 2 0,0 0 0,-1 0 0,2-2 0,1-5 0,3-2 0,-2-1 0,-1 1-420,8 6 1,-3 1 0,2-1 419,-15-10 0,1 0 0,0-2 0,0 0 0,18 6 0,0-2 0,-1 0-246,-6-4 0,-1-1 0,-2 4 246,-2 7 0,-2 4 0,-2-7 0,7-13 0,-4-1 0,-4 21 0,-5-5 1871,19-24-1871,-27 9 1342,-6-12-1342,3 0 0,9 0 0,2 0 0,7-1 0,6 1 0,4 1-654,-6 2 0,3 0 0,4 2 0,2 0 0,2-1 0,1-1 654,-7-1 0,1-1 0,2 0 0,0-1 0,2 0 0,1 0 0,0 1 0,0 0-526,-2 1 0,0 1 0,1 0 0,1 0 0,0 0 0,0 0 0,1 0 0,-1-1 0,0 0 526,1-1 0,0-1 0,1 1 0,-1-1 0,0-1 0,1 1 0,-1-1 0,0 1 0,0 0 0,-2 0 0,1 0 0,-1 0 0,1 0 0,-1 0 0,0 0 0,-1 0 0,-1 0 0,-1 0-307,11 0 0,-2 1 0,0-1 0,-1 1 0,-1-1 0,-1-1 0,-2 0 307,4-2 0,-1-1 0,-1-1 0,-1 1 0,-3-1 0,-2 2-137,-3 2 1,-2 1-1,-2 0 1,-1-1 0,-2-3 136,6-3 0,-2-4 0,-3 1 0,-2 3 828,6 6 1,-4 2 0,-4-4-829,8-14 0,-7-1 2292,-14 16 0,-5-2-2292,5-19 3710,21 23-3710,-9 10 0,8 3 0,-5-7 0,3-2 0,3 4-9,-7 4 0,2 5 1,1 0-1,1-2 9,3-2 0,0-3 0,1 0 0,0 2 0,0 1 0,-1 1 0,1 0 0,-1-3 0,-2-2 0,1-2 0,-1-1 0,0-1 0,0-1 0,0 0 0,0-2 0,-2 0-295,10-2 0,-2 0 1,0 0 294,4 0 0,-1 0 0,-2 0 0,-15 0 0,-2 0 0,1 0-108,4 0 0,2 0 1,-2 0 107,19 0 0,-4 0 0,-14 0 0,0 0 0,14 1 0,-2-2 760,-25-5 1,-1 0-761,22 6 0,-1-3 472,-20-14 0,-1-1-472,9 9 0,1 0 184,0-15 0,-1-2-184,-9 11 0,1 1 0,13-10 0,3-2 0,6 0 0,-1-1 0,-7-5 0,1-4-292,-1 3 0,4-2 0,-3 0 292,-11 7 0,-1 1 0,-1-3 0,8-11 0,0-3 0,0 3 0,-1 7 0,1 4 0,-2-3 0,-5-6 0,-2-1 0,1 1 0,0 7 0,0 1 0,-3 0 0,13-16 0,-4 3 0,-8 16 0,-6 0 0,4-34 0,6 45 0,-41-7 0,17-35 0,-6 4 0,2-10 0,-3 9 0,4-5 0,1-5 0,1-1-431,0 3 0,2-3 1,1-1-1,1-1 1,0 2 430,2-2 0,2 1 0,0 0 0,0-1 0,-1 2 0,0 0 0,1 0 0,-1 1 0,0 1 0,-2 3-223,2-1 0,-1 3 0,-1 1 0,-2 3 223,3-5 0,-2 4 0,0 2 0,6-13 0,-3 6 0,-7 21 0,-3 3 0,11-27 0,5 1 2874,-8 31-2874,-10-14 1047,19 44-1047,-34-32 0,10 29 0,12-17 0,-18 23 0,29 0 0,-32 0 0,32 0 0,-29 0 0,29 0 0,-8 0 0,14 0 0,0 0 0,21 0 0,-18 0 0,9 0 0,-3 0 0,-9 0 0,0-12 0,9 9 0,-21-9 0,-2-11 0,8 17 0,-29-18 0,29 1 0,-32 17 0,9-29 0,-12 32 0,0-33 0,24 19 0,-19-10 0,19-8 0,-24 17 0,23-32 0,-17 33 0,18-30 0,-24 41 0,0-18 0,0 13 0,0 8 0,0-33 0,0 31 0,0-19 0,12 24 0,-9 0 0,8-12 0,-11 9 0,0-8-1696,24 11 0,-18 0 0,17 0 0</inkml:trace>
+  <inkml:trace contextRef="#ctx0" brushRef="#br0" timeOffset="21499">9948 13944 24575,'-50'0'0,"-5"0"0,10 0 0,-2 0 0,0 0 0,0 0 0,0 0 0,0 0 0,1 0 0,1 0 0,-23 0 0,30-2 0,0 4 0,-18 21 0,3-17 0,3 30 0,21-34 0,-21 34 0,9-30 0,0 29 0,-9-32 0,32 32 0,-17-29 0,32 29 0,-9-32 0,-12 33 0,19-31 0,-31 42 0,33-29 0,-8 32 0,11-21 0,0 21 0,0-20 0,0 43 0,0-14 0,0-13 0,0-1 0,0 11 0,-2-12 0,4-3 0,9-5 0,1 0 0,3 1 0,14 16 0,21-9 0,-20-6 0,20-2 0,-9-7 0,0 0 0,21 7 0,-18-33 0,-7 14 0,2 1 0,29-12 0,-29 12 0,1-1 0,0-15 0,0-1 0,-1 16 0,1 1 0,5-15 0,1 0 0,1 15 0,0-1 0,0-14 0,0-3 0,5 7 0,-1-2 0,-9-4 0,-2-2 0,6 1 0,0 0 0,-6 0 0,-1 0 0,1 0 0,-1 0 0,1 1 0,0-2 0,-1-5 0,1 0 0,6 6 0,-1-3 0,-4-13 0,0-3 0,5 11 0,0-1 0,-6-16 0,-1 0 0,1 10 0,-1 0 0,-5-11 0,0 2 0,5 16 0,-2-1 0,8-38 0,16 29 0,-43-32 0,29 21 0,-29 2 0,32-8 0,-33 17 0,3-17 0,-5-3 0,-12 2 0,15-6 0,0-1 0,-12-1 0,29-9 0,-32-20 0,9 37 0,0-1 0,-1 1 0,-5 6 0,17-20 0,-23 33 0,0-18 0,0 8 0,0-14 0,0 12 0,0-7 0,0 10 0,0 8 0,-23-17 0,17 8 0,-29-2 0,32-21 0,-32 9 0,17 11 0,-32-5 0,-3 9 0,-3-4 0,18 17 0,0 0 0,4-6 0,0 3 0,-4 12 0,-3 2 0,-10-16 0,-1 0 0,9 16 0,1 2 0,-10-5 0,1-2 0,10-5 0,2 0 0,0 9 0,-1 0 0,0-9 0,1 1 0,-29 11 0,3 0 0,1 0 0,20 0 0,-18 0 0,32 0 0,4 0 0,-9 0 0,29 0 0,-41 0 0,41 0 0,-29 0 0,32 0 0,-9 23 0,-12-17 0,18 18 0,-17-24 0,11 0 0,9 0 0,-8 0 0,11 0 0,-24 12 0,18-10 0,-17 10 0,23-12 0,0 0 0,0 24 0,0-18 0,0 29 0,0-32 0,0 9 0,0 11 0,0-17 0,-12 18 0,9-24 0,-9 0 0,12 0 0</inkml:trace>
+  <inkml:trace contextRef="#ctx0" brushRef="#br0" timeOffset="36155">21378 17383 24575,'0'64'0,"0"-1"0,-6-15 0,-3 2 0,1 2 0,2 5 0,2 2 0,-4 1-629,-7 8 0,-3 2 0,1-2 629,6-8 0,2-2 0,0 0 0,0 1 0,1-1 0,-2-1 203,-2-4 0,-1 0 0,3-3-203,9 6 0,-4-4 156,-19-3 0,1-6-156,17-2 0,-17-18 0,23-23 0,0 0 0,0 0 0</inkml:trace>
+</inkml:ink>
+</file>
+
+<file path=ppt/ink/ink5.xml><?xml version="1.0" encoding="utf-8"?>
+<inkml:ink xmlns:inkml="http://www.w3.org/2003/InkML">
+  <inkml:definitions>
+    <inkml:context xml:id="ctx0">
+      <inkml:inkSource xml:id="inkSrc0">
+        <inkml:traceFormat>
+          <inkml:channel name="X" type="integer" min="-2.14748E9" max="2.14748E9" units="cm"/>
+          <inkml:channel name="Y" type="integer" min="-2.14748E9" max="2.14748E9" units="cm"/>
+          <inkml:channel name="F" type="integer" max="32767" units="dev"/>
+        </inkml:traceFormat>
+        <inkml:channelProperties>
+          <inkml:channelProperty channel="X" name="resolution" value="1000" units="1/cm"/>
+          <inkml:channelProperty channel="Y" name="resolution" value="1000" units="1/cm"/>
+          <inkml:channelProperty channel="F" name="resolution" value="0" units="1/dev"/>
+        </inkml:channelProperties>
+      </inkml:inkSource>
+      <inkml:timestamp xml:id="ts0" timeString="2025-10-21T01:01:17.131"/>
+    </inkml:context>
+    <inkml:brush xml:id="br0">
+      <inkml:brushProperty name="width" value="0.05292" units="cm"/>
+      <inkml:brushProperty name="height" value="0.05292" units="cm"/>
+      <inkml:brushProperty name="color" value="#00B050"/>
+    </inkml:brush>
+  </inkml:definitions>
+  <inkml:trace contextRef="#ctx0" brushRef="#br0">14367 12780 24575,'-65'0'0,"22"-5"0,-5-2 0,-22-5 0,-4-3-434,24 3 0,-1-3 0,-1 1 434,-7 1 0,-3-1 0,1 0 0,0-3 0,1 0 0,-1 1 0,-2 5 0,0 2 0,0 0 0,1 0 0,-1 1 0,0-2 0,2-2 0,1-1 0,-1 3 0,0 7 0,0 2 0,1-1 0,5-5 0,1-3 0,-2 4 0,-8 4 0,-2 3 0,2 0 0,9-1 0,2 0 0,-1 0 0,-3 0 0,0 1 0,1-2 0,-18-5 0,1 0 0,21 5 0,-1 0 0,2 0 0,-16-5 0,-1 0 0,16 5 0,0 2 0,0-1 0,-16 0 0,1 0 187,-6 0 0,2 0-187,10 0 0,1 0 0,-5 0 0,1 0 114,15 0 0,1 0-114,-4 0 0,1 0 0,10 0 0,3 0 0,-30 0 330,29 0 0,2 0-330,-19 0 40,3 0-40,3 12 0,20-9 0,-20 32 0,9-17 0,0 32 0,15-33 0,-10 19 0,31-10 0,-31 15 0,33 24 0,-8 3 0,-2-30 0,2 3 0,8 10 0,0 1 0,-9-4 0,1 1 0,7 14 0,8 3 0,7 0 0,1 1 0,-10 0 0,2 1 0,12 4 0,3 0 0,-5-11 0,-1-2 0,0 1 0,3-2 0,8-9 0,2-4 0,-5-10 0,-1-2 0,21 28 0,-14-31 0,8-4 0,-17-14 0,44 12 0,5-19 0,-21 6 0,2 2 0,10 0 0,2-3 0,0-7 0,0 0 0,0 9 0,1 0 0,-11-10 0,3-3 0,-3 0 0,7 1 0,0 0 0,-7 0 0,3 0 0,-3 0 0,12 0 0,-3 0 0,-4 0 0,-1 0 0,-2 0 0,-1 0 0,-11 0 0,-1 0 0,1 1 0,-1-2 0,1-11 0,0 0 0,27 6 0,-29-17 0,1-1 0,28 19 0,-33-12 0,0-2 0,4 5 0,0 2 0,30-6 0,-28-1 0,-1 3 0,29 13 0,-30-14 0,0-1 0,30 12 0,-34-12 0,0 0 0,3 17 0,2 0 0,6-15 0,1-4 0,-4 5 0,1 1 0,8-1 0,1 0 0,2-2 0,-5-1 0,13-8 0,-13 17 0,-1 0 0,8-14 0,-11 15 0,1 4 0,13 1 0,14-9 0,-20-11 0,-9 17 0,-7-7 0,0 2 0,7 11 0,-7 1 0,2-2 0,29-11 0,-28 11 0,-1 0 0,29-11 0,-29 0 0,-2 0 0,19 6 0,-3-17 0,-3 11 0,-21 9 0,21-9 0,-32 12 0,29-23 0,-41 17 0,18-41 0,-24 41 0,0-29 0,0 32 0,0-32 0,0 17 0,11-32 0,-8 21 0,9 2 0,-12-8 0,0 29 0,0-41 0,0 41 0,0-29 0,0 32 0,0-9 0,-12 12 0,9-23 0,-8 17 0,-13-18 0,18 24 0,-17 0 0</inkml:trace>
+  <inkml:trace contextRef="#ctx0" brushRef="#br0" timeOffset="20106">27649 6509 24575,'-44'-6'0,"0"0"0,8-11 0,-2-4 0,-29 0 0,-4-2 0,10-8 0,-1-3-477,7 11 1,-3 1 0,0 3 476,4 3 0,0 3 0,0-2 0,-3-6 0,0-2 0,1 5 0,-18 8 0,1 2 0,21-3 0,-1-1 0,2 0 151,-17-1 0,1-1-151,1-5 0,0-3 0,15 8 0,0 0 0,0 1 0,-18 0 0,0 0 0,16 0 0,0 0 0,0 3 0,0 7 0,1 3 0,1-2 0,-17-10 0,1 0 0,0 5 0,1 2 0,1 4 0,1-1 0,4-4 0,0 1 0,-7 4 0,1 2 137,6-1 1,0 0-138,-5 0 0,0 0 0,5 0 0,0 0 0,-1 0 0,1 0 0,7 0 0,1 0 361,-7 0 1,3 0-362,13 0 0,1 0 64,-10 0 1,1 0-65,5 0 0,1 0 0,3 0 0,1 0 0,-4 0 0,-1 0 0,6-1 0,1 2 0,-1 4 0,0 1 0,1-6 0,-1 3 0,1 15 0,-1 0 0,-6-15 0,0-1 0,5 16 0,0 0 0,-6-17 0,3 1 0,-12 33 0,12-33 0,3 2 0,6 43 0,-1-38 0,-2-1 0,-15 42 0,9-20 0,13-7 0,0 4 0,-10 26 0,0 3 0,15-19 0,2 2 0,-5 29 0,4-18 0,0 3 0,10-11 0,0 1 0,-10 8 0,0 1 0,17-11 0,-1-3 0,-16-3 0,3-2 0,16 20 0,-18-3 0,24-21 0,0 21 0,0-21 0,0 21 0,0 3 0,0 15 0,0-1 0,0-27 0,0-3 0,0 7 0,-2-1 0,4-1 0,22-6 0,-18 37 0,41-44 0,-30 21 0,10-20 0,8 20 0,6-33 0,3 30 0,18-29 0,-9 9 0,3 8 0,-3-29 0,-3 29 0,-21-32 0,21 32 0,-9-29 0,0 29 0,9-32 0,-20 33 0,32-7 0,-18 0 0,20 7 0,-23-10 0,9-8 0,-20 17 0,20-32 0,-21 32 0,21-29 0,3 18 0,3-24 0,-17-1 0,-2 2 0,8 10 0,-4-9 0,3-1 0,15 11 0,-15-11 0,3-2 0,-7 1 0,-1 0 0,1 0 0,-1 0 0,1 0 0,0 0 0,0 0 0,-1 0 0,1 0 0,0 0 0,5 0 0,1 0 0,1 0 0,0 0 0,0 0 0,0 0 0,6 0 0,-3 0 0,9 0 0,-17 0 0,1 0 0,13 0 0,-12 0 0,3 0 0,-5 1 0,-2-2 0,28-11 0,5 9 0,-5-8 0,-28-2 0,2 2 0,4 9 0,-1-2 0,-5-14 0,0 1 0,-1 15 0,1 1 0,0-16 0,-1-1 0,1 9 0,0 0 0,5-16 0,1 0 0,-5 16 0,0 0 0,6-14 0,-3-1 0,12 7 0,-13-8 0,-1 0 0,17 7 0,-25 1 0,0-1 0,28-9 0,-33 10 0,-3-7 0,10 13 0,-19 8 0,10-9 0,8-12 0,-29 18 0,41-41 0,-41 42 0,29-31 0,-32 10 0,32 8 0,-29-17 0,30 8 0,-10 10 0,-8-19 0,17 34 0,-32-34 0,32 7 0,-29-1 0,18-5 0,-24 9 0,23 8 0,-17-17 0,18 8 0,-24 10 0,0-19 0,11 34 0,-8-34 0,9 30 0,-12-29 0,0 32 0,0-32 0,0 29 0,0-18 0,0 1 0,23 17 0,-17-17 0,18 11 0,-24 9 0,0-32 0,0 29 0,0-18 0,0 12 0,0 9 0,0-8 0,0 11 0,0-24 0,0 18 0,0-17 0,0 23 0,0 0 0,0-12 0,0 9 0,0-9 0,12 12 0,-9-23 0,8 17 0,-11-41 0,0 41 0,24-29 0,-18 32 0,17-32 0,-23 17 0,0-9 0,0-8 0,0 18 0,12-33 0,-9 32 0,9-29 0,-12 41 0,0-29 0,0 32 0,0-33 0,0 31 0,0-19 0,0 24 0,0 0 0</inkml:trace>
+  <inkml:trace contextRef="#ctx0" brushRef="#br0" timeOffset="27434">27384 9340 24575,'-14'0'0,"-22"-23"0,19 5 0,-33-8 0,9-10 0,-1 30 0,-8-29 0,21 32 0,-33-9 0,-5-11 0,26 20 0,-1 0 0,-3-15 0,-1 1 0,6 15 0,1 1 0,-1-17 0,1 0 0,-1 16 0,0-1 0,0-21 0,1 1 0,0 19 0,-2 2 0,-5-16 0,1 0 0,-14 15 0,17-1 0,-1-3 0,-13-17 0,11 22 0,-1-2 0,-13-31 0,17 34 0,-1-1 0,-13-33 0,-11 17 0,28 5 0,1 0 0,-18 1 0,4-12 0,-10-5 0,18 0 0,-21-7 0,24 33 0,-21-32 0,18 18 0,-9-10 0,3-8 0,9 29 0,0-29 0,-9 32 0,20-9 0,4 12 0,-9 0 0,-6 0 0,-27 0 0,17 0 0,-1 0 0,9 0 0,1 0 0,-9 0 0,-1 0 0,0 0 0,1 0 0,8 0 0,1 0 0,-9 0 0,-1 0 0,0 0 0,1 0 0,9 0 0,-1 0 0,-21 0 0,1 0 0,20 0 0,1 0 0,-10 0 0,1 0 0,10 0 0,3 0 0,-30 0 0,29 0 0,2 0 0,-7 0 0,-18 0 0,32 0 0,-20 12 0,9-9 0,0 8 0,-9 13 0,21-18 0,-21 29 0,20-32 0,-20 32 0,9-17 0,12 8 0,-6 10 0,8-30 0,-2 41 0,-21-30 0,20 33 0,-20-20 0,9 20 0,0-21 0,15 21 0,-10-9 0,19 24 0,-10-21 0,9-8 0,1 1 0,-1 7 0,6-6 0,-2 1 0,-4-5 0,1 0 0,1 5 0,2 1 0,0-1 0,-1 1 0,-5 6 0,5-1 0,13-3 0,1-1 0,-17 4 0,0 1 0,15-7 0,0 1 0,-9 11 0,1 1 0,10-9 0,2-1 0,-1 10 0,0-1 0,0-10 0,0-2 0,0 28 0,0-14 0,23-3 0,-17-20 0,30 20 0,-33-33 0,32 30 0,-29-29 0,41 8 0,-30 10 0,33-19 0,-32 10 0,41 8 0,-39-29 0,42 29 0,-21-8 0,0-10 0,9 30 0,-20-29 0,20 8 0,3 10 0,3-31 0,-4 19 0,-2-12 0,-20-9 0,20 8 0,-21-11 0,21 0 0,-9 24 0,0-18 0,-14 17 0,8-23 0,-17 0 0,32 0 0,-21 0 0,21 12 0,-32-9 0,29 9 0,-29-12 0,32 0 0,-21 0 0,-3 0 0,10 0 0,5 0 0,15 0 0,-3 0 0,-3 0 0,-21 0 0,33 0 0,-18 0 0,20 0 0,-22 0 0,8 0 0,-21 0 0,21 0 0,-21 0 0,21 0 0,3 23 0,3-17 0,-3 18 0,-3-24 0,3 0 0,-9 0 0,-2 0 0,1 0 0,16 0 0,-13 0 0,-1 0 0,11 0 0,-13 0 0,-1 0 0,17 0 0,9 0 0,-31-12 0,-1 0 0,8 6 0,21-17 0,-24 23 0,9 0 0,-20 0 0,20 0 0,-21-12 0,21 9 0,-9-9 0,0 12 0,9 0 0,-20-23 0,20 17 0,-21-18 0,21 13 0,3 8 0,3-9 0,-3-12 0,-3 19 0,-21-19 0,21 12 0,-9 9 0,0-32 0,9 29 0,-20-41 0,20 41 0,-21-17 0,-3 11 0,10 9 0,-30-32 0,29 29 0,-9-29 0,-8 32 0,29-33 0,-29 19 0,32-33 0,-21 9 0,21 0 0,-32-9 0,17 20 0,-9-20 0,-8 21 0,29-21 0,-41 32 0,29-29 0,-8 29 0,-10-32 0,19 33 0,-33-18 0,8 32 0,-11-33 0,24 30 0,-18-17 0,17 23 0,-23 0 0,0 0 0</inkml:trace>
+  <inkml:trace contextRef="#ctx0" brushRef="#br0" timeOffset="34767">26564 11113 24575,'0'0'0</inkml:trace>
+  <inkml:trace contextRef="#ctx0" brushRef="#br0" timeOffset="82151">21405 6059 24575,'-38'0'0,"8"-23"0,-32 5 0,24-6 0,-3-2 0,-1 11 0,-1 1 0,-8-11 0,-1 0 0,6 10 0,1 0 0,4-10 0,-1 0 0,-3 16 0,-1 1 0,7-16 0,-1 1 0,-11 14 0,-1 0 0,10-15 0,-1-2 0,-20 11 0,-1 1 0,21-11 0,1 0 0,-14 10 0,-3 0 0,6-9 0,1-2 0,4 5 0,-1 1 0,-14 0 0,-1-1 0,10-5 0,-1 2 0,-15 8 0,-4 3 0,6 0 0,1-1 0,1-5 0,0 3 0,1 12 0,1 2 0,3-10 0,1 1 0,0 9 0,-1 4 0,2-2 0,1 0 0,4 0 0,2 0 0,5 0 0,0 0 0,-11 0 0,1 0 0,14 0 0,1 0 0,-9 0 0,-1 0 0,6 0 0,1 0 0,4 0 0,0 0 0,-6 0 0,3 0 0,-12 0 0,-18 0 0,7 23 0,8-17 0,15 6 0,3-1 0,-4-11 0,8 0 0,-2 0 0,-17 12 0,17-12 0,2 3 0,-7 32 0,-30-29 0,30 30 0,7-22 0,-2-2 0,-17 6 0,3 29 0,3-30 0,20 33 0,4-20 0,-9 20 0,5-21 0,-11 21 0,15-9 0,-10 0 0,19 21 0,-10-18 0,-8 9 0,29-3 0,-29-9 0,8 24 0,10-21 0,-7 18 0,1-33 0,17 45 0,-18-39 0,22 6 0,4 3 0,-2 12 0,0-11 0,0 1 0,0-5 0,0 1 0,0 9 0,0 0 0,0 20 0,-2-15 0,4 0 0,10-19 0,0-1 0,-11 16 0,4-1 0,18-10 0,1-3 0,-16 2 0,1 0 0,16 0 0,0-1 0,-10 1 0,0 0 0,10-7 0,0 1 0,-11 5 0,1-1 0,35 17 0,-9-2 0,-9-21 0,1-2 0,11 14 0,-12-12 0,-2 1 0,-1 8 0,21 9 0,-9-21 0,-9-3 0,1-2 0,11-6 0,4-1 0,1 1 0,13 9 0,0-7 0,2 1 0,-21-1 0,0 1 0,19 5 0,2-2 0,-16-9 0,1-1 0,15 12 0,1-2 0,-4-8 0,-1-2 0,-6-1 0,1 0 0,9 6 0,-2-2 0,-19-14 0,-1-1 0,9 11 0,1-2 0,1-10 0,-3-2 0,12 1 0,-13 0 0,-1 0 0,8 0 0,-12 0 0,3 0 0,-6 0 0,0 0 0,5 0 0,-1 0 0,-5 0 0,0 0 0,-1 0 0,1 0 0,10 0 0,3 0 0,0 2 0,3-4 0,15-13 0,2-5 0,-6 0 0,1-4-282,-16 0 0,0-2 1,0-4 281,-3-3 0,-1-3 0,2 2 0,2 6 0,2 2 0,-1-5 0,-10-3 0,-1-4 0,1-2 0,-1 2 0,12-2 0,0 1 0,0-8 0,-14-1 0,1-7 0,-1-4 0,-2 4 0,-3 7 0,14-9 0,-4 2 0,-14 1 0,1-1 0,-1 0 0</inkml:trace>
+  <inkml:trace contextRef="#ctx0" brushRef="#br0" timeOffset="85172">21246 11589 24575,'-38'0'0,"-15"-23"0,10 14 0,-5 0 0,-11-15 0,-3-2 0,15 12 0,-2 1 0,-2-1-410,-8-8 1,-2-1-1,-1 3 410,0 8 0,0 4 0,-2-4 0,9-4 0,-1-4 0,0 0 0,-1 5 0,-14 6 0,-1 4 0,1-1 0,0-6 0,0-1 0,1-1 0,4 2 0,0 0 0,1 1 0,3 1 0,0 0 0,1 1 0,2-1 0,2 0 0,0 0-10,3 1 0,1 1 0,1 2 10,-1 4 0,1 3 0,1 0 0,-17-1 0,1 0 0,15-4 0,-1 0 0,2 0 0,-17 3 0,1-1 0,0-4 0,1 0 0,7 6 0,1 0 0,4 0 0,2 0 0,4 0 0,2 0 456,0 0 0,1 0-456,-1 0 0,1 0 173,3 0 1,1 0-174,-5 0 0,1 0 0,-11 0 0,12 6 0,3 0 0,6-3 0,-8 12 0,1 5 0,-3 10 0,-7 11 0,2 9 0,8-21 0,1 21 0,-9-20 0,35 5 0,1 3 0,-11-8 0,0-1 0,-5 39 0,7-30 0,-4-3 0,-14 9 0,26-7 0,1 3 0,-4-7 0,1 1 0,2 5 0,3 2 0,4-2 0,-1 1 0,-10 5 0,2 1 0,16-5 0,-1 0 0,-15 5 0,-1 0 0,15-7 0,0 1 0,-9-1 0,1 1 0,9 11 0,4 1 0,-2-9 0,0-1 0,-2 10 0,4-1 0,9-10 0,1-2 0,-9 0 0,0 1 0,13 6 0,3-1 0,-5-4 0,-1 1 0,0 3 0,3 1 0,8 6 0,2-1 0,0-9 0,1 1 0,6 9 0,2-1 0,-2-11 0,1-1 0,4 1 0,1-1 0,-6-4 0,1-2 0,16 7 0,3-3 0,-11-15 0,2 0 0,18 10 0,2-3 0,-16-13 0,1-2 0,14 10 0,3 2 0,0-5 0,1-1 0,0 1 0,1-1 0,4-6 0,0-2 0,0 7 0,0-2 0,-5-14 0,1 0 0,-16 5 0,0 2 0,0-5 0,16-15 0,-1-3 0,0 12 0,-2-4 0,1-23 0,-2-3 0,-3 15 0,-2 0 0,-4-10 0,-1-1 0,10 2 0,-1 0 0,-14-1 0,-1-1 0,10-7 0,1 0 0,-5 7 0,-2-2 0,-4-14 0,-2 1 0,-6 24 0,-1 1 0,1-18 0,-3-4 0,-9 13 0,0-1 0,11-5 0,-2-3 0,-15 1 0,0 0 0,15-4 0,0 0 0,-14 5 0,-2-2 0,10-16 0,3-1 0,-2 10 0,0-1 0,3-13 0,-2-3 0,-6 6 0,2 0 0,13-6 0,1-2 0,-13-5 0,-1 0 0,4 11 0,1 1 0,-1-5 0,-4 3 0,-14 20 0,-1 2 0,10-11 0,2 1 0,16-11 0,-13 2 0,6 3 0,-32 20 0,9 4 0,-12 14 0</inkml:trace>
+  <inkml:trace contextRef="#ctx0" brushRef="#br0" timeOffset="107973">20426 13944 24575,'-41'0'0,"-9"-24"0,9 18 0,-24-29 0,21 32 0,-30-8 0,30 11 0,7-12 0,-2 0 0,-17 6 0,3-17 0,3 23 0,21 0 0,-21 0 0,20 0 0,-20 0 0,9 0 0,12 0 0,-7 0 0,10 0 0,8 0 0,-17 0 0,32 0 0,-32 0 0,29 0 0,-18 0 0,13 0 0,8 0 0,-9 0 0,12 0 0,-24 0 0,19 0 0,-42 0 0,41 0 0,-18 0 0,12 0 0,9 0 0,-8 23 0,11-17 0,0 18 0,-24-24 0,18 11 0,-17-8 0,23 9 0,-12 11 0,9-17 0,-9 18 0,12-24 0,-23 23 0,17-17 0,-18 18 0,24-12 0,0-10 0,0 10 0,0 12 0,-11-18 0,8 29 0,-9-32 0,12 9 0,0 11 0,0-17 0,0 29 0,0-32 0,-24 33 0,19-31 0,-19 42 0,24-41 0,0 30 0,0-33 0,0 32 0,0-29 0,0 29 0,0-32 0,0 32 0,0-17 0,0 8 0,0 10 0,0-31 0,0 42 0,0-41 0,0 30 0,24-33 0,-19 32 0,19-29 0,-12 29 0,-9-32 0,32 32 0,-29-29 0,29 18 0,-32-13 0,9-8 0,11 9 0,-17 12 0,29-19 0,-32 19 0,33 0 0,-30-19 0,41 19 0,-42-12 0,31-9 0,-10 8 0,-8-11 0,17 0 0,-8 0 0,2 24 0,21-18 0,-9 17 0,-12-23 0,7 0 0,-10 0 0,4 0 0,20 0 0,-21 0 0,21 0 0,-9 0 0,0 0 0,9 0 0,-32 0 0,17 0 0,-8-23 0,-10 17 0,19-29 0,-34 32 0,34-33 0,-19 31 0,10-19 0,8 0 0,-29 19 0,41-31 0,-41 33 0,29-8 0,-32-13 0,9 18 0,11-29 0,-17 32 0,18-9 0,-12-11 0,-9 17 0,8-29 0,-11 32 0,0-33 0,0 30 0,0-41 0,0 42 0,24-31 0,-18 10 0,17 8 0,-23-17 0,0 8 0,0 10 0,0-18 0,0 32 0,0-33 0,0 30 0,0-41 0,0 42 0,0-31 0,0 33 0,0-8 0,0-13 0,0 18 0,0-29 0,0 32 0,0-32 0,0 29 0,0-18 0,0 12 0,0 10 0,0-10 0,0 12 0,0-24 0,0 18 0,0-17 0,0 23 0</inkml:trace>
+</inkml:ink>
+</file>
+
+<file path=ppt/ink/ink6.xml><?xml version="1.0" encoding="utf-8"?>
+<inkml:ink xmlns:inkml="http://www.w3.org/2003/InkML">
+  <inkml:definitions>
+    <inkml:context xml:id="ctx0">
+      <inkml:inkSource xml:id="inkSrc0">
+        <inkml:traceFormat>
+          <inkml:channel name="X" type="integer" min="-2.14748E9" max="2.14748E9" units="cm"/>
+          <inkml:channel name="Y" type="integer" min="-2.14748E9" max="2.14748E9" units="cm"/>
+          <inkml:channel name="F" type="integer" max="32767" units="dev"/>
+        </inkml:traceFormat>
+        <inkml:channelProperties>
+          <inkml:channelProperty channel="X" name="resolution" value="1000" units="1/cm"/>
+          <inkml:channelProperty channel="Y" name="resolution" value="1000" units="1/cm"/>
+          <inkml:channelProperty channel="F" name="resolution" value="0" units="1/dev"/>
+        </inkml:channelProperties>
+      </inkml:inkSource>
+      <inkml:timestamp xml:id="ts0" timeString="2025-10-21T01:05:09.122"/>
+    </inkml:context>
+    <inkml:brush xml:id="br0">
+      <inkml:brushProperty name="width" value="0.05292" units="cm"/>
+      <inkml:brushProperty name="height" value="0.05292" units="cm"/>
+      <inkml:brushProperty name="color" value="#00B050"/>
+    </inkml:brush>
+  </inkml:definitions>
+  <inkml:trace contextRef="#ctx0" brushRef="#br0">9419 7726 24575,'68'0'0,"-29"4"0,-2 4 0,7 18 0,0-11 0,-2 0 0,-7 11 0,3-9 0,-3 2 0,-17 10 0,17 12 0,-8 9 0,-10-32 0,7 17 0,-12-9 0,-9 4 0,8 20 0,-11-9 0,24 0 0,-18 9 0,17-21 0,-23 21 0,0-32 0,0 17 0,0-8 0,0-10 0,0 31 0,0-43 0,0 31 0,0-10 0,0 4 0,-23 20 0,17-21 0,-18 21 0,13-9 0,8 0 0,-9 9 0,-12 3 0,18-21 0,-17 15 0,11-20 0,9-9 0,-8 29 0,-13-42 0,6 31 0,-32-33 0,9 32 0,-23-29 0,25 10 0,-2 3 0,-10-5 0,-4-1 0,-5 0 0,0 3 0,0 8 0,-1 2 0,11-11 0,-3-3 0,3 2 0,-7 7 0,0-1 0,6-9 0,-2-2 0,4-2 0,0 0 0,1-2 0,-16-7 0,1 4 0,20 9 0,1 1 0,-10-9 0,1 0 0,11 9 0,1-1 0,-7-9 0,1-4 0,-14 2 0,-15 0 0,22 0 0,-16 0 0,29 0 0,-1 0 0,0 0 0,0 0 0,1 2 0,-1-4 0,-11-9 0,-1-1 0,9 9 0,1 0 0,-10-9 0,1 1 0,11 10 0,0 2 0,-6-7 0,1 0 0,-14 3 0,17-1 0,-1-4 0,-13-15 0,-11 17 0,2-18 0,0 24 0,21 0 0,-29 0 0,29-23 0,6 19 0,-1 2 0,-17-22 0,19 23 0,-2 2 0,-29-13 0,29 12 0,-1-2 0,1-15 0,-1-2 0,-11 10 0,-1 1 0,9-5 0,0-1 0,-8-5 0,0 3 0,10 13 0,2 0 0,-28-21 0,25 24 0,-5-11 0,42 8 0,-31-9 0,33-12 0,-32-17 0,29 9 0,-29-3 0,32 35 0,-9 0 0,-11 0 0,17 11 0,-30-8 0,34 9 0,-34-12 0,7 24 0,-12-18 0,14 17 0,-8 1 0,17-19 0,-32 19 0,-3-24 0,9 6 0,-3 0 0,5-6 0,-1 3 0,-14 13 0,-1 3 0,5-10 0,1 0 0,4 3 0,-1 2 0,-15 5 0,1-3 0,21-12 0,-1-2 0,-19 10 0,-3 0 0,11-5 0,0-2 0,-7-4 0,1 0 0,7 6 0,0-2 0,1-4 0,1-2 0,9 1 0,2 0 0,-27 0 0,-7 0 0,30 0 0,7 0 0,-3 0 0,-27 0 0,-1 0 0,30 0 0,0 0 0,-30 0 0,1 0 0,28 1 0,1-2 0,-29-11 0,28 12 0,-2-2 0,-10-15 0,-1-2 0,9 11 0,1-1 0,2-16 0,1 0 0,-6 11 0,4-2 0,6-34 0,0 29 0,-3 1 0,-15-21 0,31 11 0,0-2 0,-9 5 0,0-2 0,4-15 0,1-3 0,-2 5 0,0 2 0,0 6 0,3 0 0,11-3 0,2 1 0,-24-8 0,31-21 0,-19 36 0,24-7 0,0 33 0,0-32 0,24 17 0,-19-32 0,31-2 0,-10-16 0,-17 29 0,0-1 0,8 0 0,1 0 0,-4-5 0,-1-1 0,-6 3 0,3 4 0,37-17 0,-29 21 0,32 23 0,-21 9 0,21-9 0,3 12 0,15-23 0,-18 20 0,3 0 0,0-15 0,2 0 0,5 17 0,1 0 0,9-17 0,1 0 0,2 14 0,1 2-192,-21-5 0,1-2 0,1 2 192,1 5 0,1 3 0,0 0 0,0-1 0,0 0 0,0 0 0,0 0 0,1 0 0,0 0 0,4 0 0,0 0 0,-1 0 0,-2 0 0,-2 0 0,1 0 0,-1 0 0,0 0 0,-1 0 0,1 0 0,0 0 0,0 0 0,-3 0 0,0 0 0,0 0 0,-1 1 0,0 0 0,-1-3 0,1-5 0,0-2 0,-3 1 0,12 5 0,0 0 0,-9-4 0,4-2 0,-3 2 0,15 6 0,0 2 0,-13-1 0,2 0 0,-1 0 0,17 0 0,-1 0-39,0 0 0,-2 0 39,-10 0 0,-2 0 0,7 0 0,-2 0 0,-16 0 0,1 0 0,15 0 0,-2 0 0,-19 0 0,0 0 287,20 0 0,0 0-287,-20 0 0,-1 0 40,23 0 0,-3 0-40,-1 0 0,-12 0 0,-1 0 0,20 0 0,-28 0 0,2 0 0,4 0 0,-1 0 0,-4 0 0,-2 0 0,17 0 0,-13 0 0,-1 0 0,-7 0 0,7 0 0,1 0 0,2 0 0,-8 0 0,2 0 0,17 0 0,-3 0 0,8 0 0,-16 0 0,7 0 0,22 0 0,-39 0 0,39 0 0,-45 0 0,21 23 0,-20-17 0,20 18 0,-9-24 0,0 23 0,9-17 0,-33 18 0,19-24 0,-33 12 0,32-10 0,-29 10 0,29-12 0,-32 0 0,32 0 0,-29 0 0,41 0 0,-41 0 0,29 0 0,-32 0 0,33 0 0,-31 0 0,31 0 0,-10 0 0,-8 0 0,17 0 0,-32 0 0,32 0 0,-5 24 0,-1-18 0,6 17 0,-32-23 0,9 0 0,12 0 0,-18 0 0,17 12 0,-11-9 0,-9 9 0,9-12 0,-12 0 0,0 0 0</inkml:trace>
+</inkml:ink>
+</file>
+
 <file path=ppt/notesMasters/notesMaster1.xml><?xml version="1.0" encoding="utf-8"?>
 <p:notesMaster xmlns:a="http://schemas.openxmlformats.org/drawingml/2006/main" xmlns:r="http://schemas.openxmlformats.org/officeDocument/2006/relationships" xmlns:p="http://schemas.openxmlformats.org/presentationml/2006/main">
   <p:cSld>
@@ -207,7 +387,7 @@
           </a:lstStyle>
           <a:p>
             <a:fld id="{77F5E20D-330D-AE4A-A6A6-1850AD2ED2D6}" type="datetimeFigureOut">
-              <a:t>13/10/25</a:t>
+              <a:t>21/10/25</a:t>
             </a:fld>
             <a:endParaRPr lang="en-VN"/>
           </a:p>
@@ -622,7 +802,7 @@
           <a:lstStyle/>
           <a:p>
             <a:fld id="{B19CC23C-BA29-DE42-B018-0A671B23AB5C}" type="datetime1">
-              <a:t>13/10/25</a:t>
+              <a:t>21/10/25</a:t>
             </a:fld>
             <a:endParaRPr lang="en-VN"/>
           </a:p>
@@ -820,7 +1000,7 @@
           <a:lstStyle/>
           <a:p>
             <a:fld id="{4C98E9E1-1963-2549-A392-0CE442C818D3}" type="datetime1">
-              <a:t>13/10/25</a:t>
+              <a:t>21/10/25</a:t>
             </a:fld>
             <a:endParaRPr lang="en-VN"/>
           </a:p>
@@ -1028,7 +1208,7 @@
           <a:lstStyle/>
           <a:p>
             <a:fld id="{C7AFA920-85BE-4747-816A-47AD76A510FA}" type="datetime1">
-              <a:t>13/10/25</a:t>
+              <a:t>21/10/25</a:t>
             </a:fld>
             <a:endParaRPr lang="en-VN"/>
           </a:p>
@@ -1226,7 +1406,7 @@
           <a:lstStyle/>
           <a:p>
             <a:fld id="{AAD3D96D-7531-BC47-A011-B5D6B3D43310}" type="datetime1">
-              <a:t>13/10/25</a:t>
+              <a:t>21/10/25</a:t>
             </a:fld>
             <a:endParaRPr lang="en-VN"/>
           </a:p>
@@ -1536,7 +1716,7 @@
           <a:lstStyle/>
           <a:p>
             <a:fld id="{9099FF25-CCF5-1749-B789-DEA9DF3915D1}" type="datetime1">
-              <a:t>13/10/25</a:t>
+              <a:t>21/10/25</a:t>
             </a:fld>
             <a:endParaRPr lang="en-VN"/>
           </a:p>
@@ -1802,7 +1982,7 @@
           <a:lstStyle/>
           <a:p>
             <a:fld id="{96C9BD3F-C60C-8F40-A1AA-746E79F526C8}" type="datetime1">
-              <a:t>13/10/25</a:t>
+              <a:t>21/10/25</a:t>
             </a:fld>
             <a:endParaRPr lang="en-VN"/>
           </a:p>
@@ -2215,7 +2395,7 @@
           <a:lstStyle/>
           <a:p>
             <a:fld id="{A8563D55-6338-8241-BEA3-C8267015B326}" type="datetime1">
-              <a:t>13/10/25</a:t>
+              <a:t>21/10/25</a:t>
             </a:fld>
             <a:endParaRPr lang="en-VN"/>
           </a:p>
@@ -2355,7 +2535,7 @@
           <a:lstStyle/>
           <a:p>
             <a:fld id="{89782EF4-4D34-8E49-9BB8-7FCD8F64F56C}" type="datetime1">
-              <a:t>13/10/25</a:t>
+              <a:t>21/10/25</a:t>
             </a:fld>
             <a:endParaRPr lang="en-VN"/>
           </a:p>
@@ -2466,7 +2646,7 @@
           <a:lstStyle/>
           <a:p>
             <a:fld id="{8A835D4F-1253-B847-8798-F89DBC53ECA3}" type="datetime1">
-              <a:t>13/10/25</a:t>
+              <a:t>21/10/25</a:t>
             </a:fld>
             <a:endParaRPr lang="en-VN"/>
           </a:p>
@@ -2777,7 +2957,7 @@
           <a:lstStyle/>
           <a:p>
             <a:fld id="{7B60E56D-C72A-354F-B0FC-65EC27F745C6}" type="datetime1">
-              <a:t>13/10/25</a:t>
+              <a:t>21/10/25</a:t>
             </a:fld>
             <a:endParaRPr lang="en-VN"/>
           </a:p>
@@ -3064,7 +3244,7 @@
           <a:lstStyle/>
           <a:p>
             <a:fld id="{D4EEE616-05B3-E949-A580-BAD4E917BCA4}" type="datetime1">
-              <a:t>13/10/25</a:t>
+              <a:t>21/10/25</a:t>
             </a:fld>
             <a:endParaRPr lang="en-VN"/>
           </a:p>
@@ -3305,7 +3485,7 @@
           </a:lstStyle>
           <a:p>
             <a:fld id="{D2508FC7-06EA-184C-B437-1FD4117B159D}" type="datetime1">
-              <a:t>13/10/25</a:t>
+              <a:t>21/10/25</a:t>
             </a:fld>
             <a:endParaRPr lang="en-VN"/>
           </a:p>
@@ -3971,8 +4151,8 @@
           </a:p>
         </p:txBody>
       </p:sp>
-      <mc:AlternateContent xmlns:mc="http://schemas.openxmlformats.org/markup-compatibility/2006">
-        <mc:Choice xmlns:a14="http://schemas.microsoft.com/office/drawing/2010/main" Requires="a14">
+      <mc:AlternateContent xmlns:mc="http://schemas.openxmlformats.org/markup-compatibility/2006" xmlns:a14="http://schemas.microsoft.com/office/drawing/2010/main">
+        <mc:Choice Requires="a14">
           <p:sp>
             <p:nvSpPr>
               <p:cNvPr id="5" name="TextBox 4">
@@ -4114,7 +4294,7 @@
             </p:txBody>
           </p:sp>
         </mc:Choice>
-        <mc:Fallback>
+        <mc:Fallback xmlns="">
           <p:sp>
             <p:nvSpPr>
               <p:cNvPr id="5" name="TextBox 4">
@@ -4483,90 +4663,90 @@
                       </m:r>
                     </m:oMath>
                   </m:oMathPara>
-                  <m:oMathPara xmlns:m="http://schemas.openxmlformats.org/officeDocument/2006/math">
-                    <m:oMathParaPr>
-                      <m:jc m:val="left"/>
-                    </m:oMathParaPr>
-                    <m:oMath xmlns:m="http://schemas.openxmlformats.org/officeDocument/2006/math">
-                      <m:r>
-                        <a:rPr lang="en-US" sz="2800" i="1">
-                          <a:latin typeface="Cambria Math" panose="02040503050406030204" pitchFamily="18" charset="0"/>
-                        </a:rPr>
-                        <m:t>𝑎</m:t>
-                      </m:r>
-                      <m:r>
-                        <a:rPr lang="en-VN" sz="2800" i="1">
-                          <a:latin typeface="Cambria Math" panose="02040503050406030204" pitchFamily="18" charset="0"/>
-                        </a:rPr>
-                        <m:t>𝑛𝑖𝑚𝑎𝑙𝑠</m:t>
-                      </m:r>
-                      <m:r>
-                        <a:rPr lang="en-VN" sz="2800" i="1">
-                          <a:latin typeface="Cambria Math" panose="02040503050406030204" pitchFamily="18" charset="0"/>
-                        </a:rPr>
-                        <m:t>.</m:t>
-                      </m:r>
-                      <m:r>
-                        <a:rPr lang="en-VN" sz="2800" i="1">
-                          <a:latin typeface="Cambria Math" panose="02040503050406030204" pitchFamily="18" charset="0"/>
-                        </a:rPr>
-                        <m:t>𝑝𝑢𝑠h</m:t>
-                      </m:r>
-                      <m:d>
-                        <m:dPr>
-                          <m:ctrlPr>
-                            <a:rPr lang="en-VN" sz="2800" i="1">
-                              <a:latin typeface="Cambria Math" panose="02040503050406030204" pitchFamily="18" charset="0"/>
-                            </a:rPr>
-                          </m:ctrlPr>
-                        </m:dPr>
-                        <m:e>
-                          <m:r>
-                            <a:rPr lang="en-VN" sz="2800" i="1">
-                              <a:latin typeface="Cambria Math" panose="02040503050406030204" pitchFamily="18" charset="0"/>
-                            </a:rPr>
-                            <m:t>𝑛𝑒𝑤</m:t>
-                          </m:r>
-                          <m:r>
-                            <a:rPr lang="en-VN" sz="2800" i="1">
-                              <a:latin typeface="Cambria Math" panose="02040503050406030204" pitchFamily="18" charset="0"/>
-                            </a:rPr>
-                            <m:t> </m:t>
-                          </m:r>
-                          <m:r>
-                            <a:rPr lang="en-VN" sz="2800" i="1">
-                              <a:latin typeface="Cambria Math" panose="02040503050406030204" pitchFamily="18" charset="0"/>
-                            </a:rPr>
-                            <m:t>𝑀𝑜𝑛𝑘𝑒𝑦</m:t>
-                          </m:r>
-                          <m:d>
-                            <m:dPr>
-                              <m:ctrlPr>
-                                <a:rPr lang="en-VN" sz="2800" i="1">
-                                  <a:latin typeface="Cambria Math" panose="02040503050406030204" pitchFamily="18" charset="0"/>
-                                </a:rPr>
-                              </m:ctrlPr>
-                            </m:dPr>
-                            <m:e>
-                              <m:r>
-                                <a:rPr lang="vi-VN" sz="2800" b="0" i="1">
-                                  <a:latin typeface="Cambria Math" panose="02040503050406030204" pitchFamily="18" charset="0"/>
-                                </a:rPr>
-                                <m:t> </m:t>
-                              </m:r>
-                            </m:e>
-                          </m:d>
-                        </m:e>
-                      </m:d>
-                    </m:oMath>
-                  </m:oMathPara>
                 </a14:m>
+                <a:endParaRPr/>
               </a:p>
               <a:p>
-                <a:pPr/>
-                <a:endParaRPr lang="vi-VN" sz="2800" i="1">
-                  <a:latin typeface="Cambria Math" panose="02040503050406030204" pitchFamily="18" charset="0"/>
-                </a:endParaRPr>
+                <a14:m>
+                  <m:oMath xmlns:m="http://schemas.openxmlformats.org/officeDocument/2006/math">
+                    <m:r>
+                      <a:rPr lang="en-US" sz="2800" i="1">
+                        <a:latin typeface="Cambria Math" panose="02040503050406030204" pitchFamily="18" charset="0"/>
+                      </a:rPr>
+                      <m:t>𝑎</m:t>
+                    </m:r>
+                    <m:r>
+                      <a:rPr lang="en-VN" sz="2800" i="1">
+                        <a:latin typeface="Cambria Math" panose="02040503050406030204" pitchFamily="18" charset="0"/>
+                      </a:rPr>
+                      <m:t>𝑛𝑖𝑚𝑎𝑙𝑠</m:t>
+                    </m:r>
+                    <m:r>
+                      <a:rPr lang="en-VN" sz="2800" i="1">
+                        <a:latin typeface="Cambria Math" panose="02040503050406030204" pitchFamily="18" charset="0"/>
+                      </a:rPr>
+                      <m:t>.</m:t>
+                    </m:r>
+                    <m:r>
+                      <a:rPr lang="en-VN" sz="2800" i="1">
+                        <a:latin typeface="Cambria Math" panose="02040503050406030204" pitchFamily="18" charset="0"/>
+                      </a:rPr>
+                      <m:t>𝑝𝑢𝑠h</m:t>
+                    </m:r>
+                    <m:d>
+                      <m:dPr>
+                        <m:ctrlPr>
+                          <a:rPr lang="en-VN" sz="2800" i="1">
+                            <a:latin typeface="Cambria Math" panose="02040503050406030204" pitchFamily="18" charset="0"/>
+                          </a:rPr>
+                        </m:ctrlPr>
+                      </m:dPr>
+                      <m:e>
+                        <m:r>
+                          <a:rPr lang="en-VN" sz="2800" i="1">
+                            <a:latin typeface="Cambria Math" panose="02040503050406030204" pitchFamily="18" charset="0"/>
+                          </a:rPr>
+                          <m:t>𝑛𝑒𝑤</m:t>
+                        </m:r>
+                        <m:r>
+                          <a:rPr lang="en-VN" sz="2800" i="1">
+                            <a:latin typeface="Cambria Math" panose="02040503050406030204" pitchFamily="18" charset="0"/>
+                          </a:rPr>
+                          <m:t> </m:t>
+                        </m:r>
+                        <m:r>
+                          <a:rPr lang="en-VN" sz="2800" i="1">
+                            <a:latin typeface="Cambria Math" panose="02040503050406030204" pitchFamily="18" charset="0"/>
+                          </a:rPr>
+                          <m:t>𝑀𝑜𝑛𝑘𝑒𝑦</m:t>
+                        </m:r>
+                        <m:d>
+                          <m:dPr>
+                            <m:ctrlPr>
+                              <a:rPr lang="en-VN" sz="2800" i="1">
+                                <a:latin typeface="Cambria Math" panose="02040503050406030204" pitchFamily="18" charset="0"/>
+                              </a:rPr>
+                            </m:ctrlPr>
+                          </m:dPr>
+                          <m:e>
+                            <m:r>
+                              <a:rPr lang="vi-VN" sz="2800" i="1">
+                                <a:latin typeface="Cambria Math" panose="02040503050406030204" pitchFamily="18" charset="0"/>
+                              </a:rPr>
+                              <m:t> </m:t>
+                            </m:r>
+                          </m:e>
+                        </m:d>
+                      </m:e>
+                    </m:d>
+                  </m:oMath>
+                </a14:m>
+                <a:r>
+                  <a:rPr lang="vi-VN" sz="2800" i="1">
+                    <a:latin typeface="Cambria Math" panose="02040503050406030204" pitchFamily="18" charset="0"/>
+                  </a:rPr>
+                  <a:t> </a:t>
+                </a:r>
               </a:p>
               <a:p>
                 <a:pPr/>
@@ -4627,6 +4807,9 @@
                     </m:oMath>
                   </m:oMathPara>
                 </a14:m>
+                <a:endParaRPr lang="vi-VN" sz="2800" i="1">
+                  <a:latin typeface="Cambria Math" panose="02040503050406030204" pitchFamily="18" charset="0"/>
+                </a:endParaRPr>
               </a:p>
             </p:txBody>
           </p:sp>
@@ -4657,7 +4840,7 @@
               <a:blipFill>
                 <a:blip r:embed="rId3"/>
                 <a:stretch>
-                  <a:fillRect l="-808" t="-5263" b="-11404"/>
+                  <a:fillRect l="-808" b="-7895"/>
                 </a:stretch>
               </a:blipFill>
             </p:spPr>
@@ -4674,6 +4857,57 @@
               </a:p>
             </p:txBody>
           </p:sp>
+        </mc:Fallback>
+      </mc:AlternateContent>
+      <mc:AlternateContent xmlns:mc="http://schemas.openxmlformats.org/markup-compatibility/2006">
+        <mc:Choice xmlns:p14="http://schemas.microsoft.com/office/powerpoint/2010/main" Requires="p14">
+          <p:contentPart p14:bwMode="auto" r:id="rId4">
+            <p14:nvContentPartPr>
+              <p14:cNvPr id="8" name="Ink 7">
+                <a:extLst>
+                  <a:ext uri="{FF2B5EF4-FFF2-40B4-BE49-F238E27FC236}">
+                    <a16:creationId xmlns:a16="http://schemas.microsoft.com/office/drawing/2014/main" id="{1B136DF5-1A70-949F-5A13-E4FFB10D8F61}"/>
+                  </a:ext>
+                </a:extLst>
+              </p14:cNvPr>
+              <p14:cNvContentPartPr/>
+              <p14:nvPr/>
+            </p14:nvContentPartPr>
+            <p14:xfrm>
+              <a:off x="790560" y="2714400"/>
+              <a:ext cx="2810160" cy="696600"/>
+            </p14:xfrm>
+          </p:contentPart>
+        </mc:Choice>
+        <mc:Fallback>
+          <p:pic>
+            <p:nvPicPr>
+              <p:cNvPr id="8" name="Ink 7">
+                <a:extLst>
+                  <a:ext uri="{FF2B5EF4-FFF2-40B4-BE49-F238E27FC236}">
+                    <a16:creationId xmlns:a16="http://schemas.microsoft.com/office/drawing/2014/main" id="{1B136DF5-1A70-949F-5A13-E4FFB10D8F61}"/>
+                  </a:ext>
+                </a:extLst>
+              </p:cNvPr>
+              <p:cNvPicPr/>
+              <p:nvPr/>
+            </p:nvPicPr>
+            <p:blipFill>
+              <a:blip r:embed="rId5"/>
+              <a:stretch>
+                <a:fillRect/>
+              </a:stretch>
+            </p:blipFill>
+            <p:spPr>
+              <a:xfrm>
+                <a:off x="781200" y="2705040"/>
+                <a:ext cx="2828880" cy="715320"/>
+              </a:xfrm>
+              <a:prstGeom prst="rect">
+                <a:avLst/>
+              </a:prstGeom>
+            </p:spPr>
+          </p:pic>
         </mc:Fallback>
       </mc:AlternateContent>
     </p:spTree>
@@ -4770,8 +5004,8 @@
           </a:p>
         </p:txBody>
       </p:sp>
-      <mc:AlternateContent xmlns:mc="http://schemas.openxmlformats.org/markup-compatibility/2006">
-        <mc:Choice xmlns:a14="http://schemas.microsoft.com/office/drawing/2010/main" Requires="a14">
+      <mc:AlternateContent xmlns:mc="http://schemas.openxmlformats.org/markup-compatibility/2006" xmlns:a14="http://schemas.microsoft.com/office/drawing/2010/main">
+        <mc:Choice Requires="a14">
           <p:sp>
             <p:nvSpPr>
               <p:cNvPr id="5" name="Rectangle 4">
@@ -4932,7 +5166,7 @@
             </p:txBody>
           </p:sp>
         </mc:Choice>
-        <mc:Fallback>
+        <mc:Fallback xmlns="">
           <p:sp>
             <p:nvSpPr>
               <p:cNvPr id="5" name="Rectangle 4">
@@ -5280,8 +5514,8 @@
           </a:p>
         </p:txBody>
       </p:sp>
-      <mc:AlternateContent xmlns:mc="http://schemas.openxmlformats.org/markup-compatibility/2006">
-        <mc:Choice xmlns:a14="http://schemas.microsoft.com/office/drawing/2010/main" Requires="a14">
+      <mc:AlternateContent xmlns:mc="http://schemas.openxmlformats.org/markup-compatibility/2006" xmlns:a14="http://schemas.microsoft.com/office/drawing/2010/main">
+        <mc:Choice Requires="a14">
           <p:sp>
             <p:nvSpPr>
               <p:cNvPr id="5" name="Rectangle 4">
@@ -5420,7 +5654,7 @@
             </p:txBody>
           </p:sp>
         </mc:Choice>
-        <mc:Fallback>
+        <mc:Fallback xmlns="">
           <p:sp>
             <p:nvSpPr>
               <p:cNvPr id="5" name="Rectangle 4">
@@ -5472,8 +5706,8 @@
           </p:sp>
         </mc:Fallback>
       </mc:AlternateContent>
-      <mc:AlternateContent xmlns:mc="http://schemas.openxmlformats.org/markup-compatibility/2006">
-        <mc:Choice xmlns:a14="http://schemas.microsoft.com/office/drawing/2010/main" Requires="a14">
+      <mc:AlternateContent xmlns:mc="http://schemas.openxmlformats.org/markup-compatibility/2006" xmlns:a14="http://schemas.microsoft.com/office/drawing/2010/main">
+        <mc:Choice Requires="a14">
           <p:sp>
             <p:nvSpPr>
               <p:cNvPr id="3" name="Rectangle 2">
@@ -5616,13 +5850,7 @@
                         <a:rPr lang="vi-VN" sz="2400" i="1">
                           <a:latin typeface="Cambria Math" panose="02040503050406030204" pitchFamily="18" charset="0"/>
                         </a:rPr>
-                        <m:t>𝑑</m:t>
-                      </m:r>
-                      <m:r>
-                        <a:rPr lang="vi-VN" sz="2400" i="1">
-                          <a:latin typeface="Cambria Math" panose="02040503050406030204" pitchFamily="18" charset="0"/>
-                        </a:rPr>
-                        <m:t>𝑒𝑙𝑒𝑡𝑒</m:t>
+                        <m:t>𝑑𝑒𝑙𝑒𝑡𝑒</m:t>
                       </m:r>
                       <m:r>
                         <a:rPr lang="vi-VN" sz="2400" i="1">
@@ -5645,6 +5873,9 @@
                     </m:oMath>
                   </m:oMathPara>
                 </a14:m>
+                <a:endParaRPr lang="vi-VN" sz="2400" i="1">
+                  <a:latin typeface="Cambria Math" panose="02040503050406030204" pitchFamily="18" charset="0"/>
+                </a:endParaRPr>
               </a:p>
               <a:p>
                 <a:endParaRPr lang="vi-VN" sz="2400" i="1">
@@ -5654,7 +5885,7 @@
             </p:txBody>
           </p:sp>
         </mc:Choice>
-        <mc:Fallback>
+        <mc:Fallback xmlns="">
           <p:sp>
             <p:nvSpPr>
               <p:cNvPr id="3" name="Rectangle 2">
@@ -5706,8 +5937,8 @@
           </p:sp>
         </mc:Fallback>
       </mc:AlternateContent>
-      <mc:AlternateContent xmlns:mc="http://schemas.openxmlformats.org/markup-compatibility/2006">
-        <mc:Choice xmlns:a14="http://schemas.microsoft.com/office/drawing/2010/main" Requires="a14">
+      <mc:AlternateContent xmlns:mc="http://schemas.openxmlformats.org/markup-compatibility/2006" xmlns:a14="http://schemas.microsoft.com/office/drawing/2010/main">
+        <mc:Choice Requires="a14">
           <p:sp>
             <p:nvSpPr>
               <p:cNvPr id="7" name="TextBox 6">
@@ -5856,7 +6087,7 @@
             </p:txBody>
           </p:sp>
         </mc:Choice>
-        <mc:Fallback>
+        <mc:Fallback xmlns="">
           <p:sp>
             <p:nvSpPr>
               <p:cNvPr id="7" name="TextBox 6">
@@ -5901,8 +6132,8 @@
           </p:sp>
         </mc:Fallback>
       </mc:AlternateContent>
-      <mc:AlternateContent xmlns:mc="http://schemas.openxmlformats.org/markup-compatibility/2006">
-        <mc:Choice xmlns:a14="http://schemas.microsoft.com/office/drawing/2010/main" Requires="a14">
+      <mc:AlternateContent xmlns:mc="http://schemas.openxmlformats.org/markup-compatibility/2006" xmlns:a14="http://schemas.microsoft.com/office/drawing/2010/main">
+        <mc:Choice Requires="a14">
           <p:sp>
             <p:nvSpPr>
               <p:cNvPr id="9" name="TextBox 8">
@@ -5982,7 +6213,7 @@
             </p:txBody>
           </p:sp>
         </mc:Choice>
-        <mc:Fallback>
+        <mc:Fallback xmlns="">
           <p:sp>
             <p:nvSpPr>
               <p:cNvPr id="9" name="TextBox 8">
@@ -6229,8 +6460,8 @@
           </a:fontRef>
         </p:style>
       </p:cxnSp>
-      <mc:AlternateContent xmlns:mc="http://schemas.openxmlformats.org/markup-compatibility/2006">
-        <mc:Choice xmlns:a14="http://schemas.microsoft.com/office/drawing/2010/main" Requires="a14">
+      <mc:AlternateContent xmlns:mc="http://schemas.openxmlformats.org/markup-compatibility/2006" xmlns:a14="http://schemas.microsoft.com/office/drawing/2010/main">
+        <mc:Choice Requires="a14">
           <p:sp>
             <p:nvSpPr>
               <p:cNvPr id="19" name="Rectangle 18">
@@ -6381,7 +6612,7 @@
             </p:txBody>
           </p:sp>
         </mc:Choice>
-        <mc:Fallback>
+        <mc:Fallback xmlns="">
           <p:sp>
             <p:nvSpPr>
               <p:cNvPr id="19" name="Rectangle 18">
@@ -6433,8 +6664,8 @@
           </p:sp>
         </mc:Fallback>
       </mc:AlternateContent>
-      <mc:AlternateContent xmlns:mc="http://schemas.openxmlformats.org/markup-compatibility/2006">
-        <mc:Choice xmlns:a14="http://schemas.microsoft.com/office/drawing/2010/main" Requires="a14">
+      <mc:AlternateContent xmlns:mc="http://schemas.openxmlformats.org/markup-compatibility/2006" xmlns:a14="http://schemas.microsoft.com/office/drawing/2010/main">
+        <mc:Choice Requires="a14">
           <p:sp>
             <p:nvSpPr>
               <p:cNvPr id="20" name="Rectangle 19">
@@ -6577,13 +6808,7 @@
                         <a:rPr lang="vi-VN" sz="2400" i="1">
                           <a:latin typeface="Cambria Math" panose="02040503050406030204" pitchFamily="18" charset="0"/>
                         </a:rPr>
-                        <m:t>𝑑</m:t>
-                      </m:r>
-                      <m:r>
-                        <a:rPr lang="vi-VN" sz="2400" i="1">
-                          <a:latin typeface="Cambria Math" panose="02040503050406030204" pitchFamily="18" charset="0"/>
-                        </a:rPr>
-                        <m:t>𝑒𝑙𝑒𝑡𝑒</m:t>
+                        <m:t>𝑑𝑒𝑙𝑒𝑡𝑒</m:t>
                       </m:r>
                       <m:r>
                         <a:rPr lang="vi-VN" sz="2400" i="1">
@@ -6606,6 +6831,9 @@
                     </m:oMath>
                   </m:oMathPara>
                 </a14:m>
+                <a:endParaRPr lang="vi-VN" sz="2400" i="1">
+                  <a:latin typeface="Cambria Math" panose="02040503050406030204" pitchFamily="18" charset="0"/>
+                </a:endParaRPr>
               </a:p>
               <a:p>
                 <a:endParaRPr lang="vi-VN" sz="2400" i="1">
@@ -6615,7 +6843,7 @@
             </p:txBody>
           </p:sp>
         </mc:Choice>
-        <mc:Fallback>
+        <mc:Fallback xmlns="">
           <p:sp>
             <p:nvSpPr>
               <p:cNvPr id="20" name="Rectangle 19">
@@ -6667,8 +6895,8 @@
           </p:sp>
         </mc:Fallback>
       </mc:AlternateContent>
-      <mc:AlternateContent xmlns:mc="http://schemas.openxmlformats.org/markup-compatibility/2006">
-        <mc:Choice xmlns:a14="http://schemas.microsoft.com/office/drawing/2010/main" Requires="a14">
+      <mc:AlternateContent xmlns:mc="http://schemas.openxmlformats.org/markup-compatibility/2006" xmlns:a14="http://schemas.microsoft.com/office/drawing/2010/main">
+        <mc:Choice Requires="a14">
           <p:sp>
             <p:nvSpPr>
               <p:cNvPr id="21" name="TextBox 20">
@@ -6817,7 +7045,7 @@
             </p:txBody>
           </p:sp>
         </mc:Choice>
-        <mc:Fallback>
+        <mc:Fallback xmlns="">
           <p:sp>
             <p:nvSpPr>
               <p:cNvPr id="21" name="TextBox 20">
@@ -6862,8 +7090,8 @@
           </p:sp>
         </mc:Fallback>
       </mc:AlternateContent>
-      <mc:AlternateContent xmlns:mc="http://schemas.openxmlformats.org/markup-compatibility/2006">
-        <mc:Choice xmlns:a14="http://schemas.microsoft.com/office/drawing/2010/main" Requires="a14">
+      <mc:AlternateContent xmlns:mc="http://schemas.openxmlformats.org/markup-compatibility/2006" xmlns:a14="http://schemas.microsoft.com/office/drawing/2010/main">
+        <mc:Choice Requires="a14">
           <p:sp>
             <p:nvSpPr>
               <p:cNvPr id="22" name="TextBox 21">
@@ -6974,7 +7202,7 @@
             </p:txBody>
           </p:sp>
         </mc:Choice>
-        <mc:Fallback>
+        <mc:Fallback xmlns="">
           <p:sp>
             <p:nvSpPr>
               <p:cNvPr id="22" name="TextBox 21">
@@ -13394,6 +13622,57 @@
           </p:sp>
         </mc:Fallback>
       </mc:AlternateContent>
+      <mc:AlternateContent xmlns:mc="http://schemas.openxmlformats.org/markup-compatibility/2006">
+        <mc:Choice xmlns:p14="http://schemas.microsoft.com/office/powerpoint/2010/main" Requires="p14">
+          <p:contentPart p14:bwMode="auto" r:id="rId7">
+            <p14:nvContentPartPr>
+              <p14:cNvPr id="3" name="Ink 2">
+                <a:extLst>
+                  <a:ext uri="{FF2B5EF4-FFF2-40B4-BE49-F238E27FC236}">
+                    <a16:creationId xmlns:a16="http://schemas.microsoft.com/office/drawing/2014/main" id="{FE9BE14C-9A83-22F3-DBBF-9AC5B60C287E}"/>
+                  </a:ext>
+                </a:extLst>
+              </p14:cNvPr>
+              <p14:cNvContentPartPr/>
+              <p14:nvPr/>
+            </p14:nvContentPartPr>
+            <p14:xfrm>
+              <a:off x="571680" y="2048040"/>
+              <a:ext cx="8677440" cy="3925080"/>
+            </p14:xfrm>
+          </p:contentPart>
+        </mc:Choice>
+        <mc:Fallback>
+          <p:pic>
+            <p:nvPicPr>
+              <p:cNvPr id="3" name="Ink 2">
+                <a:extLst>
+                  <a:ext uri="{FF2B5EF4-FFF2-40B4-BE49-F238E27FC236}">
+                    <a16:creationId xmlns:a16="http://schemas.microsoft.com/office/drawing/2014/main" id="{FE9BE14C-9A83-22F3-DBBF-9AC5B60C287E}"/>
+                  </a:ext>
+                </a:extLst>
+              </p:cNvPr>
+              <p:cNvPicPr/>
+              <p:nvPr/>
+            </p:nvPicPr>
+            <p:blipFill>
+              <a:blip r:embed="rId8"/>
+              <a:stretch>
+                <a:fillRect/>
+              </a:stretch>
+            </p:blipFill>
+            <p:spPr>
+              <a:xfrm>
+                <a:off x="562320" y="2038680"/>
+                <a:ext cx="8696160" cy="3943800"/>
+              </a:xfrm>
+              <a:prstGeom prst="rect">
+                <a:avLst/>
+              </a:prstGeom>
+            </p:spPr>
+          </p:pic>
+        </mc:Fallback>
+      </mc:AlternateContent>
     </p:spTree>
     <p:extLst>
       <p:ext uri="{BB962C8B-B14F-4D97-AF65-F5344CB8AC3E}">
@@ -15405,6 +15684,57 @@
           </a:fontRef>
         </p:style>
       </p:cxnSp>
+      <mc:AlternateContent xmlns:mc="http://schemas.openxmlformats.org/markup-compatibility/2006">
+        <mc:Choice xmlns:p14="http://schemas.microsoft.com/office/powerpoint/2010/main" Requires="p14">
+          <p:contentPart p14:bwMode="auto" r:id="rId8">
+            <p14:nvContentPartPr>
+              <p14:cNvPr id="3" name="Ink 2">
+                <a:extLst>
+                  <a:ext uri="{FF2B5EF4-FFF2-40B4-BE49-F238E27FC236}">
+                    <a16:creationId xmlns:a16="http://schemas.microsoft.com/office/drawing/2014/main" id="{39BB2193-C96B-F17E-C126-C07AAFD41189}"/>
+                  </a:ext>
+                </a:extLst>
+              </p14:cNvPr>
+              <p14:cNvContentPartPr/>
+              <p14:nvPr/>
+            </p14:nvContentPartPr>
+            <p14:xfrm>
+              <a:off x="581040" y="1495080"/>
+              <a:ext cx="4219920" cy="1505880"/>
+            </p14:xfrm>
+          </p:contentPart>
+        </mc:Choice>
+        <mc:Fallback>
+          <p:pic>
+            <p:nvPicPr>
+              <p:cNvPr id="3" name="Ink 2">
+                <a:extLst>
+                  <a:ext uri="{FF2B5EF4-FFF2-40B4-BE49-F238E27FC236}">
+                    <a16:creationId xmlns:a16="http://schemas.microsoft.com/office/drawing/2014/main" id="{39BB2193-C96B-F17E-C126-C07AAFD41189}"/>
+                  </a:ext>
+                </a:extLst>
+              </p:cNvPr>
+              <p:cNvPicPr/>
+              <p:nvPr/>
+            </p:nvPicPr>
+            <p:blipFill>
+              <a:blip r:embed="rId9"/>
+              <a:stretch>
+                <a:fillRect/>
+              </a:stretch>
+            </p:blipFill>
+            <p:spPr>
+              <a:xfrm>
+                <a:off x="571680" y="1485720"/>
+                <a:ext cx="4238640" cy="1524600"/>
+              </a:xfrm>
+              <a:prstGeom prst="rect">
+                <a:avLst/>
+              </a:prstGeom>
+            </p:spPr>
+          </p:pic>
+        </mc:Fallback>
+      </mc:AlternateContent>
     </p:spTree>
     <p:extLst>
       <p:ext uri="{BB962C8B-B14F-4D97-AF65-F5344CB8AC3E}">
@@ -19702,6 +20032,108 @@
           </a:p>
         </p:txBody>
       </p:sp>
+      <mc:AlternateContent xmlns:mc="http://schemas.openxmlformats.org/markup-compatibility/2006">
+        <mc:Choice xmlns:p14="http://schemas.microsoft.com/office/powerpoint/2010/main" Requires="p14">
+          <p:contentPart p14:bwMode="auto" r:id="rId8">
+            <p14:nvContentPartPr>
+              <p14:cNvPr id="6" name="Ink 5">
+                <a:extLst>
+                  <a:ext uri="{FF2B5EF4-FFF2-40B4-BE49-F238E27FC236}">
+                    <a16:creationId xmlns:a16="http://schemas.microsoft.com/office/drawing/2014/main" id="{DF36BCCE-661D-976D-2232-5ABAB0F480D6}"/>
+                  </a:ext>
+                </a:extLst>
+              </p14:cNvPr>
+              <p14:cNvContentPartPr/>
+              <p14:nvPr/>
+            </p14:nvContentPartPr>
+            <p14:xfrm>
+              <a:off x="294840" y="1141200"/>
+              <a:ext cx="7135560" cy="5327640"/>
+            </p14:xfrm>
+          </p:contentPart>
+        </mc:Choice>
+        <mc:Fallback>
+          <p:pic>
+            <p:nvPicPr>
+              <p:cNvPr id="6" name="Ink 5">
+                <a:extLst>
+                  <a:ext uri="{FF2B5EF4-FFF2-40B4-BE49-F238E27FC236}">
+                    <a16:creationId xmlns:a16="http://schemas.microsoft.com/office/drawing/2014/main" id="{DF36BCCE-661D-976D-2232-5ABAB0F480D6}"/>
+                  </a:ext>
+                </a:extLst>
+              </p:cNvPr>
+              <p:cNvPicPr/>
+              <p:nvPr/>
+            </p:nvPicPr>
+            <p:blipFill>
+              <a:blip r:embed="rId9"/>
+              <a:stretch>
+                <a:fillRect/>
+              </a:stretch>
+            </p:blipFill>
+            <p:spPr>
+              <a:xfrm>
+                <a:off x="285480" y="1131840"/>
+                <a:ext cx="7154280" cy="5346360"/>
+              </a:xfrm>
+              <a:prstGeom prst="rect">
+                <a:avLst/>
+              </a:prstGeom>
+            </p:spPr>
+          </p:pic>
+        </mc:Fallback>
+      </mc:AlternateContent>
+      <mc:AlternateContent xmlns:mc="http://schemas.openxmlformats.org/markup-compatibility/2006">
+        <mc:Choice xmlns:p14="http://schemas.microsoft.com/office/powerpoint/2010/main" Requires="p14">
+          <p:contentPart p14:bwMode="auto" r:id="rId10">
+            <p14:nvContentPartPr>
+              <p14:cNvPr id="7" name="Ink 6">
+                <a:extLst>
+                  <a:ext uri="{FF2B5EF4-FFF2-40B4-BE49-F238E27FC236}">
+                    <a16:creationId xmlns:a16="http://schemas.microsoft.com/office/drawing/2014/main" id="{5EB58A4C-28E2-8224-C4DF-0955BAD748D2}"/>
+                  </a:ext>
+                </a:extLst>
+              </p14:cNvPr>
+              <p14:cNvContentPartPr/>
+              <p14:nvPr/>
+            </p14:nvContentPartPr>
+            <p14:xfrm>
+              <a:off x="1028160" y="3752640"/>
+              <a:ext cx="6668280" cy="3020040"/>
+            </p14:xfrm>
+          </p:contentPart>
+        </mc:Choice>
+        <mc:Fallback>
+          <p:pic>
+            <p:nvPicPr>
+              <p:cNvPr id="7" name="Ink 6">
+                <a:extLst>
+                  <a:ext uri="{FF2B5EF4-FFF2-40B4-BE49-F238E27FC236}">
+                    <a16:creationId xmlns:a16="http://schemas.microsoft.com/office/drawing/2014/main" id="{5EB58A4C-28E2-8224-C4DF-0955BAD748D2}"/>
+                  </a:ext>
+                </a:extLst>
+              </p:cNvPr>
+              <p:cNvPicPr/>
+              <p:nvPr/>
+            </p:nvPicPr>
+            <p:blipFill>
+              <a:blip r:embed="rId11"/>
+              <a:stretch>
+                <a:fillRect/>
+              </a:stretch>
+            </p:blipFill>
+            <p:spPr>
+              <a:xfrm>
+                <a:off x="1018800" y="3743280"/>
+                <a:ext cx="6687000" cy="3038760"/>
+              </a:xfrm>
+              <a:prstGeom prst="rect">
+                <a:avLst/>
+              </a:prstGeom>
+            </p:spPr>
+          </p:pic>
+        </mc:Fallback>
+      </mc:AlternateContent>
     </p:spTree>
     <p:extLst>
       <p:ext uri="{BB962C8B-B14F-4D97-AF65-F5344CB8AC3E}">
@@ -24131,6 +24563,57 @@
           </a:p>
         </p:txBody>
       </p:sp>
+      <mc:AlternateContent xmlns:mc="http://schemas.openxmlformats.org/markup-compatibility/2006">
+        <mc:Choice xmlns:p14="http://schemas.microsoft.com/office/powerpoint/2010/main" Requires="p14">
+          <p:contentPart p14:bwMode="auto" r:id="rId9">
+            <p14:nvContentPartPr>
+              <p14:cNvPr id="3" name="Ink 2">
+                <a:extLst>
+                  <a:ext uri="{FF2B5EF4-FFF2-40B4-BE49-F238E27FC236}">
+                    <a16:creationId xmlns:a16="http://schemas.microsoft.com/office/drawing/2014/main" id="{E28D8C10-4FB6-31CF-25AD-0DD9E0741CB6}"/>
+                  </a:ext>
+                </a:extLst>
+              </p14:cNvPr>
+              <p14:cNvContentPartPr/>
+              <p14:nvPr/>
+            </p14:nvContentPartPr>
+            <p14:xfrm>
+              <a:off x="3627720" y="1895040"/>
+              <a:ext cx="6326280" cy="3486960"/>
+            </p14:xfrm>
+          </p:contentPart>
+        </mc:Choice>
+        <mc:Fallback>
+          <p:pic>
+            <p:nvPicPr>
+              <p:cNvPr id="3" name="Ink 2">
+                <a:extLst>
+                  <a:ext uri="{FF2B5EF4-FFF2-40B4-BE49-F238E27FC236}">
+                    <a16:creationId xmlns:a16="http://schemas.microsoft.com/office/drawing/2014/main" id="{E28D8C10-4FB6-31CF-25AD-0DD9E0741CB6}"/>
+                  </a:ext>
+                </a:extLst>
+              </p:cNvPr>
+              <p:cNvPicPr/>
+              <p:nvPr/>
+            </p:nvPicPr>
+            <p:blipFill>
+              <a:blip r:embed="rId10"/>
+              <a:stretch>
+                <a:fillRect/>
+              </a:stretch>
+            </p:blipFill>
+            <p:spPr>
+              <a:xfrm>
+                <a:off x="3618360" y="1885680"/>
+                <a:ext cx="6345000" cy="3505680"/>
+              </a:xfrm>
+              <a:prstGeom prst="rect">
+                <a:avLst/>
+              </a:prstGeom>
+            </p:spPr>
+          </p:pic>
+        </mc:Fallback>
+      </mc:AlternateContent>
     </p:spTree>
     <p:extLst>
       <p:ext uri="{BB962C8B-B14F-4D97-AF65-F5344CB8AC3E}">

--- a/IT002-OOP/Slide lý thuyết/Poly.pptx
+++ b/IT002-OOP/Slide lý thuyết/Poly.pptx
@@ -202,34 +202,6 @@
           <inkml:channelProperty channel="F" name="resolution" value="0" units="1/dev"/>
         </inkml:channelProperties>
       </inkml:inkSource>
-      <inkml:timestamp xml:id="ts0" timeString="2025-10-21T00:52:21.470"/>
-    </inkml:context>
-    <inkml:brush xml:id="br0">
-      <inkml:brushProperty name="width" value="0.05292" units="cm"/>
-      <inkml:brushProperty name="height" value="0.05292" units="cm"/>
-      <inkml:brushProperty name="color" value="#FF0000"/>
-    </inkml:brush>
-  </inkml:definitions>
-  <inkml:trace contextRef="#ctx0" brushRef="#br0">19870 4657 24575,'-50'-24'0,"-6"7"0,7 4 0,-5-1 0,1-3 0,-2-1 0,-11 3 0,-1 1 0,8-1 0,-2 0 0,10 4 0,-1-1 0,2 0 0,-7-2 0,-1 2 0,8 6 0,-2 1 0,1-2 0,-9-10 0,0-1 0,-11 4 0,-2 1 0,6-2 0,-1 1 0,16 5 0,0 1 0,0-2 0,2-1 0,2-1 0,-1 0 0,-24-2 0,-1-1 0,22 1 0,0 0 0,0 1 0,-22-1 0,1 1 0,24 1 0,0 0 0,0 1-288,-2 5 0,-1 2 0,-1-4 288,-3-10 0,0-5 0,-2 2 0,-4 6 0,-1 1 0,0-1-387,-7-5 1,-1-2-1,0 0 387,16 5 0,-1 0 0,0 1 0,0 1 0,-3 3 0,-1 2 0,0 0 0,0-2 0,3-5 0,1-3 0,-1 0 0,-2 3 0,-7 4 0,-3 4 0,0-1 0,3-2 0,7-2 0,2-3 0,0 0 0,-3 1-477,-9-2 0,-3 2 0,0 0 1,0 1 476,5 3 0,0 2 0,0 0 0,1-2 0,-1-3 0,1-2 0,-1 1 0,-1 2 0,-3 4 0,-1 3 0,1 1 0,0 0 0,6-1 0,1 1 0,1-1 0,-1 0-274,1-2 0,-1-1 0,1 1 1,0 2 273,-12 5 0,0 2 0,2-4 0,2-10 0,2-5 0,0 5 0,6 10 0,0 4 0,1-2 6,0-5 1,0-3 0,1 4-7,3 4 0,1 3 0,1 0 0,-17-1 0,-1 0 0,22 0 0,-1 0 0,3 0 575,-7 0 1,2 0-576,-15-6 0,2 0 958,24 5 0,2-1-958,-3-4 0,-1 0 657,7 6 0,2 0-657,-31 0 312,29-10 1,-1-3-313,-1 5 0,3-2 0,4-15 0,0 0 0,-13 13 0,-6 6 0,-15 4 0,-8 4-684,24 1 0,-3 0 1,-3 2-1,-3 2 684,-4 2 0,-4 3 0,-2 1 0,-3 1 0,0 0-625,12-4 1,0 1-1,-2 0 1,-1 0-1,-1 1 1,-1 0-1,0 0 625,2 0 0,0 1 0,-2 0 0,0 1 0,-1 0 0,0 0 0,1 0 0,-1 1 0,-1 1 0,-1 0 0,0 0 0,0 1 0,0 0 0,0 0 0,0 0 0,0-1 0,2 0 0,0-1 0,0-1 0,0 1 0,0 0 0,1 0 0,0 0 0,1 1 0,-6 2 0,0 0 0,2 2 0,-1-1 0,2 0 0,0-1 0,1-1-339,-6 0 1,2-1 0,0 0 0,1-1 0,1 1 0,2 1 338,-4 3 0,2 1 0,2 0 0,0 0 0,2-1-282,-7 0 0,1-1 0,1 1 0,2 0 282,5 3 0,2 1 0,0-1 0,0-1 0,5-6 0,-1-3 0,1 1 0,0 1 212,-2 6 0,-1 2 0,2-1 0,0-2-212,-10-4 0,2-4 0,0 4 0,-4 7 0,0 5 0,1-3 0,6-5 0,0-1 0,1-2 1043,0-2 0,0-2 1,1 0-1044,3-1 0,1 0 0,1-1 0,3-1 0,-1-2 0,3 1 1269,-19 5 1,4 1-1270,16-1 0,6-1 1847,-6-2-1847,15-11 0,-5 14 0,-8 8 0,-4 4 0,-7 5 0,-4 3-445,10-5 0,-4 2 0,-2 1 1,-2 3-1,0 0 445,5-2 0,-2 1 0,0 2 0,-1 0 0,0 1 0,-1 1-410,6-2 0,-1 0 0,0 2 1,-1 0-1,1 0 0,0 0 1,0 0 409,2-2 0,-1 0 0,0 0 0,0 0 0,1 1 0,1 0 0,2 1 0,-4 5 0,1 1 0,2 0 0,0 1 0,1 0 0,0-2-326,-6 5 0,-1 0 1,1-1-1,3 0 0,2 1 326,-3 8 0,4 1 0,1 0 0,2-3-141,5-9 1,2 0 0,0-2-1,3 0 141,-5 10 0,4-1 0,1-1 787,4-7 0,2 0 1,3-3-788,0 8 0,1-1 1736,-5 4 0,2-1-1736,8-5 0,3-1 1176,4-3 0,0-1-1176,-4-7 0,3-1 970,13 29-970,-9-44 27,-11 5-27,17-23 0,-29 12 0,-4 50 0,9-18 0,-6 9 0,0 5-847,7-6 1,1 3 0,-2 5-1,-1 1 1,-1 2 846,1-6 0,-3 1 0,0 2 0,-2 1 0,1 2 0,1 0 0,2 2-502,4-3 0,2 2 0,0 1 0,1 1 0,0 1 0,0-1 0,-1 0 0,-1-2 502,-2-2 0,0 0 0,-2 0 0,1-1 0,-1-1 0,2 1 0,1-1 0,2 0 0,2 3 0,1 1 0,1 0 0,2-2 0,0 0 0,0-2 0,0-3-191,-5 8 1,1-2-1,1-2 1,-1-3 0,2-2 190,-2 1 0,0-3 0,2-3 0,4-1 0,2 26 0,-1-8 0,-14-20 0,4-5 2938,21 10-2938,-18-3 4668,24-33-4668,0 42 0,0-10 0,0 5 0,0 8 0,0 5-52,0 1 0,0 6 0,0 2 52,0-15 0,0 0 0,0 2 0,0 2-506,0-6 0,0 2 0,0 1 1,0 1-1,0 1 506,0 4 0,0 1 0,0 1 0,0 0 0,0-1 0,0-1 0,0-1 0,0 0 0,0-1 0,0-1-345,0 9 1,0 0-1,0-2 1,0-1 344,0-7 0,0 0 0,0-2 0,0-2-149,0 8 1,0-1 0,0-2 148,0-7 0,0-1 0,0-2 0,0 19 0,0-4 671,0-9 1,0-1-672,0 5 0,0-1 1227,-1-15 0,2-1-1227,11 5 0,0-3 1690,-6 17-1690,6-28 0,-1-1 615,-11 30-615,0-30 0,0 3 0,0 10 0,0 1 0,0-10 0,0 1 0,-2 20 0,4 0 0,10-20 0,0 0 0,-9 20 0,0 0 0,9-20 0,-1-1 0,-10 15 0,-2 1 0,5-5 0,4 0 0,5 6 0,0 2 0,-5 6 0,2-1 0,7-11 0,1-2 0,-4 5 0,-1-1 0,1-8 0,1-4 0,-2-9 0,0-1 0,7 7 0,-4 1 0,-13-3 0,0-1 0,13 3 0,3 2 0,-6 19 0,0 0 0,6-20 0,4-1 0,9 22 0,0-1 0,-10-20 0,0-1 0,10 10 0,-2-1 0,-16-10 0,1-3 0,20-3 0,4-2 0,-10 5 0,1 0 0,14-4 0,3 0 0,4 16 0,1 3 0,-5-10 0,3-1-280,-2-4 0,5 1 0,-1-1 280,-7-6 0,1-1 0,1 0 0,8 1 0,3-1 0,-1 0 0,-4 1 0,-1-1 0,2-3 0,5-7 0,2-5 0,1 3 0,-10 2 0,1 2 0,1 0 0,-1-5 0,14-4 0,1-5 0,3 3-438,-6 6 1,2 2-1,2 1 1,-3-6 437,-7-8 0,-2-3 0,0-2 0,3 3 0,10 3 0,3 2 0,1 0 0,-3-3 0,-9-5 0,-2-1 0,1-2 0,0 2 0,3 1 0,2 2 0,-1-1 0,-2 0-305,11-3 0,-3 0 1,-1 0 304,-3 0 0,-1 0 0,1 0 0,2-4 0,1-1 0,-3 2 0,-12 2 0,-1 2 0,1-4 0,10-8 0,1-3 0,-3 4-61,7 6 0,-1 2 61,-17-5 0,0-2 0,-4 1 360,-3 1 0,-4 2-360,-2 6 0,-2-5 1719,13-31-1719,5 40 0,14 8 0,-6-13 0,9-3 0,7-1 0,3 5-735,-17 4 1,3 2 0,3 2 0,2 1 0,2 0 0,3 1 0,1-1 734,-16-3 0,1 0 0,3 0 0,0 0 0,2 0 0,0 1 0,2-1 0,0 0 0,0 1 0,1-1 0,0 0-385,-1 0 0,2 0 0,1 0 0,0 0 0,0 0 0,2 0 0,-1 0 0,0 0 0,1 0 0,-1 0 0,0 1 0,0-1 385,-6 1 0,1 0 0,-1 0 0,0 1 0,0-1 0,1 1 0,-1 0 0,0-1 0,1 0 0,-1 0 0,0-1 0,0 0 0,0-1-264,5 0 1,0-1 0,0-1 0,0 0 0,0 0 0,0-1 0,0 0 0,0 0-1,-2 0 1,1 0 0,-2 0 0,0 0 263,6 1 0,-1 0 0,0 0 0,0 1 0,-2-1 0,0-1 0,0 1 0,-2-1 0,1 0 0,-1-1-186,1-1 1,0 0 0,-1-1 0,0 0 0,-1-1 0,-1 1-1,0-1 1,-1 1 0,-1 0 185,0 0 0,1 0 0,-2 0 0,0 0 0,-1 0 0,-2 0 0,-1 0 0,-1 0 199,6 0 0,-2 0 1,-1 0-1,-2 0 0,-1 0 1,-1 0-200,18 0 0,-1 0 0,-4 0 0,-5 0 943,-6 0 1,-5 0 0,-3 0-944,20 0 0,-12 0 4327,-19 0-4327,-8-12 4625,-36 9-4625,70-9 0,-12 10 0,12 3 0,8 0-466,-19-1 1,5 0 0,4 0 0,3 0 0,3 0 0,2 0 465,-11 0 0,3 0 0,2 0 0,3 0 0,0 0 0,2 0 0,0 0 0,0 0 0,0 0-439,-8 0 0,0 0 0,1 1 0,0-1 0,1 0 0,0 1 0,0-1 0,1 0 1,0-1-1,-1 1 0,1-1 439,2 0 0,0-1 0,1 0 0,0 0 0,0 0 0,0-1 0,0 1 0,0-1 0,-1 1 0,0 0 0,-1 0 0,2 0 0,0 1 0,1 0 0,-2 0 0,1 1 0,-2-1 0,0-1 0,-1 0 0,-1-2 0,-1 0-236,6-3 0,-1-1 1,-1-2-1,-1-1 1,-2 1-1,0 0 0,-2 0 1,-1 2 235,11 2 0,-2 1 0,-2 2 0,-1-2 0,-3-1 0,-2-4-116,-3-4 1,-1-3 0,-3-2 0,-3 1 0,-2 1 115,17-2 0,-5 2 0,-6-3 1370,10-14 1,-9 0-1371,-20 15 0,-8-3 5126,-7-25-5126,8 30 0,-16-35 0,3-17 0,5 23 0,8-2 0,3-3 0,0-4-159,-5 5 1,1-4-1,1-2 1,2-2-1,0-1 1,2 1 158,-1 2 0,1-1 0,1-1 0,1 0 0,1 0 0,0 0 0,1 0 0,1 0 0,1 0 0,1 0 0,1 1 0,-1 0 0,-1 0 0,-1 2-213,3-2 1,-2 0 0,1 1 0,-2 2 0,0 0 0,-2 0 212,3-2 0,-1 0 0,-1 2 0,-2 0 0,-2 1-245,0-5 1,-2 1 0,-3 2-1,0 1 245,3-2 0,-3 2 0,-2 0-9,-7-2 1,-3-1-1,-2 5 9,2 3 0,-3 1 1904,2-14 0,-6-2-1904,-13 10 0,-1-1 0,2 1 0,2-3 0,-2 0 0,-2 6 0,-1 1 0,-1-1 0,1-6 0,0 0 0,0 0 0,0 2 0,0-1 0,0-1 564,0-7 0,0-2 1,0-1-565,0-1 0,0 0 0,0-1 0,1-3 0,-1 1 0,-1 2 471,-2 10 1,-2 1-1,2 5-471,1-11 0,1 7 20,-6 16 1,2 3-21,5-24 0,0 32 0,-10-4 0,-4-5 1277,-3-32-1277,-7 15 0,-2-5 0,4 1 0,3-1 0,4 0 0,0 2 0,-4 10 0,3 4 0,14 5 0,1 3 0,-11-4 0,-11-21 0,17 7 0,-12 10 0,0-2 0,17 0 0,0 0 0,-17 1 0,0-2 0,14-7 0,2-4 0,-9-11 0,-1-4-610,7 14 1,2-3 0,-1-3 609,-2 7 0,0-3 0,-1-2 0,0-1 0,0-6 0,0-2 0,0 0 0,-2-1 0,0 15 0,-1-2 0,0 1 0,-1 1 0,1 2 0,0-7 0,0 2 0,0 2 0,-1 2 0,-2-10 0,-1 2 0,0 8 0,0 8 0,2 6 0,0-20 0,12 37 0,0-8 0,12-30 0,1 22 0,5-6 0,0-3 0,4-9 0,1-3 0,3-2-26,1 6 1,3-4 0,1 1 0,-1 0 25,-5 5 0,-1 1 0,-1 0 0,2 0 0,1-3 0,0 0 0,0 1 0,-1 3-24,-1-2 0,-2 4 1,-1 1 23,-3 4 0,-1 2 0,1 2 0,8-9 0,-2 5 0,5-10 0,-14 21 0,-3 3 0,0 5 0,-12 4 1921,0-9-1921,0 17 79,23-32-79,-17-3 0,18-14 0,-23 28 0,-2-2 0,-1-9 0,4-3 0,9-5 0,1-4 0,-9 11 0,-2-3 0,1 0-149,5 0 1,3 1-1,-3-2 149,-6-2 0,-2 0 0,1 1 0,0-18 0,0 1 0,0 0 0,0 2 0,0 9 0,0 3 0,0 6 0,0 0 0,0-5 0,0 2 0,-1 12 0,2 2 0,-1-4 0,0 1 0,0-8 0,0 3 446,0 9-446,-24 0 0,18 15 0,-17-10 0,23 19 0,0-33 0,0 20 0,-24-20 0,18 9 0,-17 0 0,23-9 0,0 32 0,0-17 0,-12 9 0,9 8 0,-9-17 0,12 8 0,0-14 0,0 0 0,-23-21 0,5 6 0,-6 17 0,-2-1 0,-3-28 0,5 30 0,-2 0 0,-15-18 0,11 3 0,-5 27 0,32-9 0,-9 29 0,-11-18 0,17 24 0,-18-12 0,12 9 0,10-8 0,-34 11 0,30 0 0,-17 0 0,23-24 0,-12 18 0,9-17 0,-9 23 0,-11 0 0,17 0 0,-17-24 0,11 18 0,9-17 0,-9 23 0</inkml:trace>
-</inkml:ink>
-</file>
-
-<file path=ppt/ink/ink4.xml><?xml version="1.0" encoding="utf-8"?>
-<inkml:ink xmlns:inkml="http://www.w3.org/2003/InkML">
-  <inkml:definitions>
-    <inkml:context xml:id="ctx0">
-      <inkml:inkSource xml:id="inkSrc0">
-        <inkml:traceFormat>
-          <inkml:channel name="X" type="integer" min="-2.14748E9" max="2.14748E9" units="cm"/>
-          <inkml:channel name="Y" type="integer" min="-2.14748E9" max="2.14748E9" units="cm"/>
-          <inkml:channel name="F" type="integer" max="32767" units="dev"/>
-        </inkml:traceFormat>
-        <inkml:channelProperties>
-          <inkml:channelProperty channel="X" name="resolution" value="1000" units="1/cm"/>
-          <inkml:channelProperty channel="Y" name="resolution" value="1000" units="1/cm"/>
-          <inkml:channelProperty channel="F" name="resolution" value="0" units="1/dev"/>
-        </inkml:channelProperties>
-      </inkml:inkSource>
       <inkml:timestamp xml:id="ts0" timeString="2025-10-21T00:58:48.451"/>
     </inkml:context>
     <inkml:brush xml:id="br0">
@@ -244,7 +216,7 @@
 </inkml:ink>
 </file>
 
-<file path=ppt/ink/ink5.xml><?xml version="1.0" encoding="utf-8"?>
+<file path=ppt/ink/ink4.xml><?xml version="1.0" encoding="utf-8"?>
 <inkml:ink xmlns:inkml="http://www.w3.org/2003/InkML">
   <inkml:definitions>
     <inkml:context xml:id="ctx0">
@@ -278,7 +250,7 @@
 </inkml:ink>
 </file>
 
-<file path=ppt/ink/ink6.xml><?xml version="1.0" encoding="utf-8"?>
+<file path=ppt/ink/ink5.xml><?xml version="1.0" encoding="utf-8"?>
 <inkml:ink xmlns:inkml="http://www.w3.org/2003/InkML">
   <inkml:definitions>
     <inkml:context xml:id="ctx0">
@@ -387,7 +359,7 @@
           </a:lstStyle>
           <a:p>
             <a:fld id="{77F5E20D-330D-AE4A-A6A6-1850AD2ED2D6}" type="datetimeFigureOut">
-              <a:t>21/10/25</a:t>
+              <a:t>28/1/26</a:t>
             </a:fld>
             <a:endParaRPr lang="en-VN"/>
           </a:p>
@@ -802,7 +774,7 @@
           <a:lstStyle/>
           <a:p>
             <a:fld id="{B19CC23C-BA29-DE42-B018-0A671B23AB5C}" type="datetime1">
-              <a:t>21/10/25</a:t>
+              <a:t>28/1/26</a:t>
             </a:fld>
             <a:endParaRPr lang="en-VN"/>
           </a:p>
@@ -1000,7 +972,7 @@
           <a:lstStyle/>
           <a:p>
             <a:fld id="{4C98E9E1-1963-2549-A392-0CE442C818D3}" type="datetime1">
-              <a:t>21/10/25</a:t>
+              <a:t>28/1/26</a:t>
             </a:fld>
             <a:endParaRPr lang="en-VN"/>
           </a:p>
@@ -1208,7 +1180,7 @@
           <a:lstStyle/>
           <a:p>
             <a:fld id="{C7AFA920-85BE-4747-816A-47AD76A510FA}" type="datetime1">
-              <a:t>21/10/25</a:t>
+              <a:t>28/1/26</a:t>
             </a:fld>
             <a:endParaRPr lang="en-VN"/>
           </a:p>
@@ -1406,7 +1378,7 @@
           <a:lstStyle/>
           <a:p>
             <a:fld id="{AAD3D96D-7531-BC47-A011-B5D6B3D43310}" type="datetime1">
-              <a:t>21/10/25</a:t>
+              <a:t>28/1/26</a:t>
             </a:fld>
             <a:endParaRPr lang="en-VN"/>
           </a:p>
@@ -1716,7 +1688,7 @@
           <a:lstStyle/>
           <a:p>
             <a:fld id="{9099FF25-CCF5-1749-B789-DEA9DF3915D1}" type="datetime1">
-              <a:t>21/10/25</a:t>
+              <a:t>28/1/26</a:t>
             </a:fld>
             <a:endParaRPr lang="en-VN"/>
           </a:p>
@@ -1982,7 +1954,7 @@
           <a:lstStyle/>
           <a:p>
             <a:fld id="{96C9BD3F-C60C-8F40-A1AA-746E79F526C8}" type="datetime1">
-              <a:t>21/10/25</a:t>
+              <a:t>28/1/26</a:t>
             </a:fld>
             <a:endParaRPr lang="en-VN"/>
           </a:p>
@@ -2395,7 +2367,7 @@
           <a:lstStyle/>
           <a:p>
             <a:fld id="{A8563D55-6338-8241-BEA3-C8267015B326}" type="datetime1">
-              <a:t>21/10/25</a:t>
+              <a:t>28/1/26</a:t>
             </a:fld>
             <a:endParaRPr lang="en-VN"/>
           </a:p>
@@ -2535,7 +2507,7 @@
           <a:lstStyle/>
           <a:p>
             <a:fld id="{89782EF4-4D34-8E49-9BB8-7FCD8F64F56C}" type="datetime1">
-              <a:t>21/10/25</a:t>
+              <a:t>28/1/26</a:t>
             </a:fld>
             <a:endParaRPr lang="en-VN"/>
           </a:p>
@@ -2646,7 +2618,7 @@
           <a:lstStyle/>
           <a:p>
             <a:fld id="{8A835D4F-1253-B847-8798-F89DBC53ECA3}" type="datetime1">
-              <a:t>21/10/25</a:t>
+              <a:t>28/1/26</a:t>
             </a:fld>
             <a:endParaRPr lang="en-VN"/>
           </a:p>
@@ -2957,7 +2929,7 @@
           <a:lstStyle/>
           <a:p>
             <a:fld id="{7B60E56D-C72A-354F-B0FC-65EC27F745C6}" type="datetime1">
-              <a:t>21/10/25</a:t>
+              <a:t>28/1/26</a:t>
             </a:fld>
             <a:endParaRPr lang="en-VN"/>
           </a:p>
@@ -3244,7 +3216,7 @@
           <a:lstStyle/>
           <a:p>
             <a:fld id="{D4EEE616-05B3-E949-A580-BAD4E917BCA4}" type="datetime1">
-              <a:t>21/10/25</a:t>
+              <a:t>28/1/26</a:t>
             </a:fld>
             <a:endParaRPr lang="en-VN"/>
           </a:p>
@@ -3485,7 +3457,7 @@
           </a:lstStyle>
           <a:p>
             <a:fld id="{D2508FC7-06EA-184C-B437-1FD4117B159D}" type="datetime1">
-              <a:t>21/10/25</a:t>
+              <a:t>28/1/26</a:t>
             </a:fld>
             <a:endParaRPr lang="en-VN"/>
           </a:p>
@@ -4543,8 +4515,8 @@
           </a:p>
         </p:txBody>
       </p:sp>
-      <mc:AlternateContent xmlns:mc="http://schemas.openxmlformats.org/markup-compatibility/2006">
-        <mc:Choice xmlns:a14="http://schemas.microsoft.com/office/drawing/2010/main" Requires="a14">
+      <mc:AlternateContent xmlns:mc="http://schemas.openxmlformats.org/markup-compatibility/2006" xmlns:a14="http://schemas.microsoft.com/office/drawing/2010/main">
+        <mc:Choice Requires="a14">
           <p:sp>
             <p:nvSpPr>
               <p:cNvPr id="3" name="TextBox 2">
@@ -4814,7 +4786,7 @@
             </p:txBody>
           </p:sp>
         </mc:Choice>
-        <mc:Fallback>
+        <mc:Fallback xmlns="">
           <p:sp>
             <p:nvSpPr>
               <p:cNvPr id="3" name="TextBox 2">
@@ -4859,8 +4831,8 @@
           </p:sp>
         </mc:Fallback>
       </mc:AlternateContent>
-      <mc:AlternateContent xmlns:mc="http://schemas.openxmlformats.org/markup-compatibility/2006">
-        <mc:Choice xmlns:p14="http://schemas.microsoft.com/office/powerpoint/2010/main" Requires="p14">
+      <mc:AlternateContent xmlns:mc="http://schemas.openxmlformats.org/markup-compatibility/2006" xmlns:p14="http://schemas.microsoft.com/office/powerpoint/2010/main">
+        <mc:Choice Requires="p14">
           <p:contentPart p14:bwMode="auto" r:id="rId4">
             <p14:nvContentPartPr>
               <p14:cNvPr id="8" name="Ink 7">
@@ -4879,7 +4851,7 @@
             </p14:xfrm>
           </p:contentPart>
         </mc:Choice>
-        <mc:Fallback>
+        <mc:Fallback xmlns="">
           <p:pic>
             <p:nvPicPr>
               <p:cNvPr id="8" name="Ink 7">
@@ -13622,8 +13594,8 @@
           </p:sp>
         </mc:Fallback>
       </mc:AlternateContent>
-      <mc:AlternateContent xmlns:mc="http://schemas.openxmlformats.org/markup-compatibility/2006">
-        <mc:Choice xmlns:p14="http://schemas.microsoft.com/office/powerpoint/2010/main" Requires="p14">
+      <mc:AlternateContent xmlns:mc="http://schemas.openxmlformats.org/markup-compatibility/2006" xmlns:p14="http://schemas.microsoft.com/office/powerpoint/2010/main">
+        <mc:Choice Requires="p14">
           <p:contentPart p14:bwMode="auto" r:id="rId7">
             <p14:nvContentPartPr>
               <p14:cNvPr id="3" name="Ink 2">
@@ -13642,7 +13614,7 @@
             </p14:xfrm>
           </p:contentPart>
         </mc:Choice>
-        <mc:Fallback>
+        <mc:Fallback xmlns="">
           <p:pic>
             <p:nvPicPr>
               <p:cNvPr id="3" name="Ink 2">
@@ -15684,8 +15656,8 @@
           </a:fontRef>
         </p:style>
       </p:cxnSp>
-      <mc:AlternateContent xmlns:mc="http://schemas.openxmlformats.org/markup-compatibility/2006">
-        <mc:Choice xmlns:p14="http://schemas.microsoft.com/office/powerpoint/2010/main" Requires="p14">
+      <mc:AlternateContent xmlns:mc="http://schemas.openxmlformats.org/markup-compatibility/2006" xmlns:p14="http://schemas.microsoft.com/office/powerpoint/2010/main">
+        <mc:Choice Requires="p14">
           <p:contentPart p14:bwMode="auto" r:id="rId8">
             <p14:nvContentPartPr>
               <p14:cNvPr id="3" name="Ink 2">
@@ -15704,7 +15676,7 @@
             </p14:xfrm>
           </p:contentPart>
         </mc:Choice>
-        <mc:Fallback>
+        <mc:Fallback xmlns="">
           <p:pic>
             <p:nvPicPr>
               <p:cNvPr id="3" name="Ink 2">
@@ -20032,60 +20004,9 @@
           </a:p>
         </p:txBody>
       </p:sp>
-      <mc:AlternateContent xmlns:mc="http://schemas.openxmlformats.org/markup-compatibility/2006">
-        <mc:Choice xmlns:p14="http://schemas.microsoft.com/office/powerpoint/2010/main" Requires="p14">
+      <mc:AlternateContent xmlns:mc="http://schemas.openxmlformats.org/markup-compatibility/2006" xmlns:p14="http://schemas.microsoft.com/office/powerpoint/2010/main">
+        <mc:Choice Requires="p14">
           <p:contentPart p14:bwMode="auto" r:id="rId8">
-            <p14:nvContentPartPr>
-              <p14:cNvPr id="6" name="Ink 5">
-                <a:extLst>
-                  <a:ext uri="{FF2B5EF4-FFF2-40B4-BE49-F238E27FC236}">
-                    <a16:creationId xmlns:a16="http://schemas.microsoft.com/office/drawing/2014/main" id="{DF36BCCE-661D-976D-2232-5ABAB0F480D6}"/>
-                  </a:ext>
-                </a:extLst>
-              </p14:cNvPr>
-              <p14:cNvContentPartPr/>
-              <p14:nvPr/>
-            </p14:nvContentPartPr>
-            <p14:xfrm>
-              <a:off x="294840" y="1141200"/>
-              <a:ext cx="7135560" cy="5327640"/>
-            </p14:xfrm>
-          </p:contentPart>
-        </mc:Choice>
-        <mc:Fallback>
-          <p:pic>
-            <p:nvPicPr>
-              <p:cNvPr id="6" name="Ink 5">
-                <a:extLst>
-                  <a:ext uri="{FF2B5EF4-FFF2-40B4-BE49-F238E27FC236}">
-                    <a16:creationId xmlns:a16="http://schemas.microsoft.com/office/drawing/2014/main" id="{DF36BCCE-661D-976D-2232-5ABAB0F480D6}"/>
-                  </a:ext>
-                </a:extLst>
-              </p:cNvPr>
-              <p:cNvPicPr/>
-              <p:nvPr/>
-            </p:nvPicPr>
-            <p:blipFill>
-              <a:blip r:embed="rId9"/>
-              <a:stretch>
-                <a:fillRect/>
-              </a:stretch>
-            </p:blipFill>
-            <p:spPr>
-              <a:xfrm>
-                <a:off x="285480" y="1131840"/>
-                <a:ext cx="7154280" cy="5346360"/>
-              </a:xfrm>
-              <a:prstGeom prst="rect">
-                <a:avLst/>
-              </a:prstGeom>
-            </p:spPr>
-          </p:pic>
-        </mc:Fallback>
-      </mc:AlternateContent>
-      <mc:AlternateContent xmlns:mc="http://schemas.openxmlformats.org/markup-compatibility/2006">
-        <mc:Choice xmlns:p14="http://schemas.microsoft.com/office/powerpoint/2010/main" Requires="p14">
-          <p:contentPart p14:bwMode="auto" r:id="rId10">
             <p14:nvContentPartPr>
               <p14:cNvPr id="7" name="Ink 6">
                 <a:extLst>
@@ -20103,7 +20024,7 @@
             </p14:xfrm>
           </p:contentPart>
         </mc:Choice>
-        <mc:Fallback>
+        <mc:Fallback xmlns="">
           <p:pic>
             <p:nvPicPr>
               <p:cNvPr id="7" name="Ink 6">
@@ -24563,8 +24484,8 @@
           </a:p>
         </p:txBody>
       </p:sp>
-      <mc:AlternateContent xmlns:mc="http://schemas.openxmlformats.org/markup-compatibility/2006">
-        <mc:Choice xmlns:p14="http://schemas.microsoft.com/office/powerpoint/2010/main" Requires="p14">
+      <mc:AlternateContent xmlns:mc="http://schemas.openxmlformats.org/markup-compatibility/2006" xmlns:p14="http://schemas.microsoft.com/office/powerpoint/2010/main">
+        <mc:Choice Requires="p14">
           <p:contentPart p14:bwMode="auto" r:id="rId9">
             <p14:nvContentPartPr>
               <p14:cNvPr id="3" name="Ink 2">
@@ -24583,7 +24504,7 @@
             </p14:xfrm>
           </p:contentPart>
         </mc:Choice>
-        <mc:Fallback>
+        <mc:Fallback xmlns="">
           <p:pic>
             <p:nvPicPr>
               <p:cNvPr id="3" name="Ink 2">
